--- a/Diplomado_DS_Desarrollo_Proyecto_Final/Proyecto_final_Diplomado_DS_UNAM_v0.pptx
+++ b/Diplomado_DS_Desarrollo_Proyecto_Final/Proyecto_final_Diplomado_DS_UNAM_v0.pptx
@@ -11,8 +11,8 @@
     <p:sldId id="256" r:id="rId2"/>
     <p:sldId id="257" r:id="rId3"/>
     <p:sldId id="258" r:id="rId4"/>
-    <p:sldId id="259" r:id="rId5"/>
-    <p:sldId id="260" r:id="rId6"/>
+    <p:sldId id="260" r:id="rId5"/>
+    <p:sldId id="259" r:id="rId6"/>
     <p:sldId id="262" r:id="rId7"/>
     <p:sldId id="265" r:id="rId8"/>
   </p:sldIdLst>
@@ -250,7 +250,7 @@
   <p:extLst>
     <p:ext uri="{EFAFB233-063F-42B5-8137-9DF3F51BA10A}">
       <p15:sldGuideLst xmlns:p15="http://schemas.microsoft.com/office/powerpoint/2012/main">
-        <p15:guide id="1" orient="horz" pos="2160" userDrawn="1">
+        <p15:guide id="1" orient="horz" pos="3648" userDrawn="1">
           <p15:clr>
             <a:srgbClr val="A4A3A4"/>
           </p15:clr>
@@ -263,7 +263,7 @@
       </p15:sldGuideLst>
     </p:ext>
     <p:ext uri="GoogleSlidesCustomDataVersion2">
-      <go:slidesCustomData xmlns="" xmlns:mc="http://schemas.openxmlformats.org/markup-compatibility/2006" xmlns:mv="urn:schemas-microsoft-com:mac:vml" xmlns:c="http://schemas.openxmlformats.org/drawingml/2006/chart" xmlns:dgm="http://schemas.openxmlformats.org/drawingml/2006/diagram" xmlns:o="urn:schemas-microsoft-com:office:office" xmlns:v="urn:schemas-microsoft-com:vml" xmlns:pvml="urn:schemas-microsoft-com:office:powerpoint" xmlns:com="http://schemas.openxmlformats.org/drawingml/2006/compatibility" xmlns:p14="http://schemas.microsoft.com/office/powerpoint/2010/main" xmlns:p15="http://schemas.microsoft.com/office/powerpoint/2012/main" xmlns:ahyp="http://schemas.microsoft.com/office/drawing/2018/hyperlinkcolor" xmlns:go="http://customooxmlschemas.google.com/" r:id="rId11" roundtripDataSignature="AMtx7mgHnMHIZxhnZr2j+tVR2DpQdbinhg=="/>
+      <go:slidesCustomData xmlns:go="http://customooxmlschemas.google.com/" xmlns:ahyp="http://schemas.microsoft.com/office/drawing/2018/hyperlinkcolor" xmlns:p15="http://schemas.microsoft.com/office/powerpoint/2012/main" xmlns:p14="http://schemas.microsoft.com/office/powerpoint/2010/main" xmlns:com="http://schemas.openxmlformats.org/drawingml/2006/compatibility" xmlns:pvml="urn:schemas-microsoft-com:office:powerpoint" xmlns:v="urn:schemas-microsoft-com:vml" xmlns:o="urn:schemas-microsoft-com:office:office" xmlns:dgm="http://schemas.openxmlformats.org/drawingml/2006/diagram" xmlns:c="http://schemas.openxmlformats.org/drawingml/2006/chart" xmlns:mv="urn:schemas-microsoft-com:mac:vml" xmlns:mc="http://schemas.openxmlformats.org/markup-compatibility/2006" xmlns="" r:id="rId11" roundtripDataSignature="AMtx7mgHnMHIZxhnZr2j+tVR2DpQdbinhg=="/>
     </p:ext>
   </p:extLst>
 </p:presentation>
@@ -1213,7 +1213,7 @@
                 <a:cs typeface="Calibri"/>
                 <a:sym typeface="Calibri"/>
               </a:rPr>
-              <a:t>‹#›</a:t>
+              <a:t>‹Nº›</a:t>
             </a:fld>
             <a:endParaRPr sz="1200" b="0" i="0" u="none" strike="noStrike" cap="none">
               <a:solidFill>
@@ -1779,110 +1779,6 @@
   <p:cSld>
     <p:spTree>
       <p:nvGrpSpPr>
-        <p:cNvPr id="1" name="Shape 107"/>
-        <p:cNvGrpSpPr/>
-        <p:nvPr/>
-      </p:nvGrpSpPr>
-      <p:grpSpPr>
-        <a:xfrm>
-          <a:off x="0" y="0"/>
-          <a:ext cx="0" cy="0"/>
-          <a:chOff x="0" y="0"/>
-          <a:chExt cx="0" cy="0"/>
-        </a:xfrm>
-      </p:grpSpPr>
-      <p:sp>
-        <p:nvSpPr>
-          <p:cNvPr id="108" name="Google Shape;108;p4:notes"/>
-          <p:cNvSpPr txBox="1">
-            <a:spLocks noGrp="1"/>
-          </p:cNvSpPr>
-          <p:nvPr>
-            <p:ph type="body" idx="1"/>
-          </p:nvPr>
-        </p:nvSpPr>
-        <p:spPr>
-          <a:xfrm>
-            <a:off x="685800" y="4400550"/>
-            <a:ext cx="5486400" cy="3600450"/>
-          </a:xfrm>
-          <a:prstGeom prst="rect">
-            <a:avLst/>
-          </a:prstGeom>
-        </p:spPr>
-        <p:txBody>
-          <a:bodyPr spcFirstLastPara="1" wrap="square" lIns="91425" tIns="45700" rIns="91425" bIns="45700" anchor="t" anchorCtr="0">
-            <a:noAutofit/>
-          </a:bodyPr>
-          <a:lstStyle/>
-          <a:p>
-            <a:pPr marL="0" lvl="0" indent="0" algn="l" rtl="0">
-              <a:spcBef>
-                <a:spcPts val="0"/>
-              </a:spcBef>
-              <a:spcAft>
-                <a:spcPts val="0"/>
-              </a:spcAft>
-              <a:buNone/>
-            </a:pPr>
-            <a:endParaRPr/>
-          </a:p>
-        </p:txBody>
-      </p:sp>
-      <p:sp>
-        <p:nvSpPr>
-          <p:cNvPr id="109" name="Google Shape;109;p4:notes"/>
-          <p:cNvSpPr>
-            <a:spLocks noGrp="1" noRot="1" noChangeAspect="1"/>
-          </p:cNvSpPr>
-          <p:nvPr>
-            <p:ph type="sldImg" idx="2"/>
-          </p:nvPr>
-        </p:nvSpPr>
-        <p:spPr>
-          <a:xfrm>
-            <a:off x="685800" y="1143000"/>
-            <a:ext cx="5486400" cy="3086100"/>
-          </a:xfrm>
-          <a:custGeom>
-            <a:avLst/>
-            <a:gdLst/>
-            <a:ahLst/>
-            <a:cxnLst/>
-            <a:rect l="l" t="t" r="r" b="b"/>
-            <a:pathLst>
-              <a:path w="120000" h="120000" extrusionOk="0">
-                <a:moveTo>
-                  <a:pt x="0" y="0"/>
-                </a:moveTo>
-                <a:lnTo>
-                  <a:pt x="120000" y="0"/>
-                </a:lnTo>
-                <a:lnTo>
-                  <a:pt x="120000" y="120000"/>
-                </a:lnTo>
-                <a:lnTo>
-                  <a:pt x="0" y="120000"/>
-                </a:lnTo>
-                <a:close/>
-              </a:path>
-            </a:pathLst>
-          </a:custGeom>
-        </p:spPr>
-      </p:sp>
-    </p:spTree>
-  </p:cSld>
-  <p:clrMapOvr>
-    <a:masterClrMapping/>
-  </p:clrMapOvr>
-</p:notes>
-</file>
-
-<file path=ppt/notesSlides/notesSlide5.xml><?xml version="1.0" encoding="utf-8"?>
-<p:notes xmlns:a="http://schemas.openxmlformats.org/drawingml/2006/main" xmlns:r="http://schemas.openxmlformats.org/officeDocument/2006/relationships" xmlns:p="http://schemas.openxmlformats.org/presentationml/2006/main" showMasterSp="0" showMasterPhAnim="0">
-  <p:cSld>
-    <p:spTree>
-      <p:nvGrpSpPr>
         <p:cNvPr id="1" name="Shape 142"/>
         <p:cNvGrpSpPr/>
         <p:nvPr/>
@@ -2034,11 +1930,115 @@
             </a:pPr>
             <a:fld id="{00000000-1234-1234-1234-123412341234}" type="slidenum">
               <a:rPr lang="es-MX"/>
-              <a:t>5</a:t>
+              <a:t>4</a:t>
             </a:fld>
             <a:endParaRPr/>
           </a:p>
         </p:txBody>
+      </p:sp>
+    </p:spTree>
+  </p:cSld>
+  <p:clrMapOvr>
+    <a:masterClrMapping/>
+  </p:clrMapOvr>
+</p:notes>
+</file>
+
+<file path=ppt/notesSlides/notesSlide5.xml><?xml version="1.0" encoding="utf-8"?>
+<p:notes xmlns:a="http://schemas.openxmlformats.org/drawingml/2006/main" xmlns:r="http://schemas.openxmlformats.org/officeDocument/2006/relationships" xmlns:p="http://schemas.openxmlformats.org/presentationml/2006/main" showMasterSp="0" showMasterPhAnim="0">
+  <p:cSld>
+    <p:spTree>
+      <p:nvGrpSpPr>
+        <p:cNvPr id="1" name="Shape 107"/>
+        <p:cNvGrpSpPr/>
+        <p:nvPr/>
+      </p:nvGrpSpPr>
+      <p:grpSpPr>
+        <a:xfrm>
+          <a:off x="0" y="0"/>
+          <a:ext cx="0" cy="0"/>
+          <a:chOff x="0" y="0"/>
+          <a:chExt cx="0" cy="0"/>
+        </a:xfrm>
+      </p:grpSpPr>
+      <p:sp>
+        <p:nvSpPr>
+          <p:cNvPr id="108" name="Google Shape;108;p4:notes"/>
+          <p:cNvSpPr txBox="1">
+            <a:spLocks noGrp="1"/>
+          </p:cNvSpPr>
+          <p:nvPr>
+            <p:ph type="body" idx="1"/>
+          </p:nvPr>
+        </p:nvSpPr>
+        <p:spPr>
+          <a:xfrm>
+            <a:off x="685800" y="4400550"/>
+            <a:ext cx="5486400" cy="3600450"/>
+          </a:xfrm>
+          <a:prstGeom prst="rect">
+            <a:avLst/>
+          </a:prstGeom>
+        </p:spPr>
+        <p:txBody>
+          <a:bodyPr spcFirstLastPara="1" wrap="square" lIns="91425" tIns="45700" rIns="91425" bIns="45700" anchor="t" anchorCtr="0">
+            <a:noAutofit/>
+          </a:bodyPr>
+          <a:lstStyle/>
+          <a:p>
+            <a:pPr marL="0" lvl="0" indent="0" algn="l" rtl="0">
+              <a:spcBef>
+                <a:spcPts val="0"/>
+              </a:spcBef>
+              <a:spcAft>
+                <a:spcPts val="0"/>
+              </a:spcAft>
+              <a:buNone/>
+            </a:pPr>
+            <a:endParaRPr/>
+          </a:p>
+        </p:txBody>
+      </p:sp>
+      <p:sp>
+        <p:nvSpPr>
+          <p:cNvPr id="109" name="Google Shape;109;p4:notes"/>
+          <p:cNvSpPr>
+            <a:spLocks noGrp="1" noRot="1" noChangeAspect="1"/>
+          </p:cNvSpPr>
+          <p:nvPr>
+            <p:ph type="sldImg" idx="2"/>
+          </p:nvPr>
+        </p:nvSpPr>
+        <p:spPr>
+          <a:xfrm>
+            <a:off x="685800" y="1143000"/>
+            <a:ext cx="5486400" cy="3086100"/>
+          </a:xfrm>
+          <a:custGeom>
+            <a:avLst/>
+            <a:gdLst/>
+            <a:ahLst/>
+            <a:cxnLst/>
+            <a:rect l="l" t="t" r="r" b="b"/>
+            <a:pathLst>
+              <a:path w="120000" h="120000" extrusionOk="0">
+                <a:moveTo>
+                  <a:pt x="0" y="0"/>
+                </a:moveTo>
+                <a:lnTo>
+                  <a:pt x="120000" y="0"/>
+                </a:lnTo>
+                <a:lnTo>
+                  <a:pt x="120000" y="120000"/>
+                </a:lnTo>
+                <a:lnTo>
+                  <a:pt x="0" y="120000"/>
+                </a:lnTo>
+                <a:close/>
+              </a:path>
+            </a:pathLst>
+          </a:custGeom>
+        </p:spPr>
       </p:sp>
     </p:spTree>
   </p:cSld>
@@ -2912,7 +2912,7 @@
             </a:pPr>
             <a:fld id="{00000000-1234-1234-1234-123412341234}" type="slidenum">
               <a:rPr lang="es-MX"/>
-              <a:t>‹#›</a:t>
+              <a:t>‹Nº›</a:t>
             </a:fld>
             <a:endParaRPr/>
           </a:p>
@@ -3302,7 +3302,7 @@
             </a:pPr>
             <a:fld id="{00000000-1234-1234-1234-123412341234}" type="slidenum">
               <a:rPr lang="es-MX"/>
-              <a:t>‹#›</a:t>
+              <a:t>‹Nº›</a:t>
             </a:fld>
             <a:endParaRPr/>
           </a:p>
@@ -5251,7 +5251,7 @@
             </a:pPr>
             <a:fld id="{00000000-1234-1234-1234-123412341234}" type="slidenum">
               <a:rPr lang="es-MX"/>
-              <a:t>‹#›</a:t>
+              <a:t>‹Nº›</a:t>
             </a:fld>
             <a:endParaRPr/>
           </a:p>
@@ -6155,7 +6155,7 @@
             </a:pPr>
             <a:fld id="{00000000-1234-1234-1234-123412341234}" type="slidenum">
               <a:rPr lang="es-MX"/>
-              <a:t>‹#›</a:t>
+              <a:t>‹Nº›</a:t>
             </a:fld>
             <a:endParaRPr/>
           </a:p>
@@ -7058,7 +7058,7 @@
             </a:pPr>
             <a:fld id="{00000000-1234-1234-1234-123412341234}" type="slidenum">
               <a:rPr lang="es-MX"/>
-              <a:t>‹#›</a:t>
+              <a:t>‹Nº›</a:t>
             </a:fld>
             <a:endParaRPr/>
           </a:p>
@@ -7990,7 +7990,7 @@
             </a:pPr>
             <a:fld id="{00000000-1234-1234-1234-123412341234}" type="slidenum">
               <a:rPr lang="es-MX"/>
-              <a:t>‹#›</a:t>
+              <a:t>‹Nº›</a:t>
             </a:fld>
             <a:endParaRPr/>
           </a:p>
@@ -9054,12 +9054,242 @@
           </a:bodyPr>
           <a:lstStyle/>
           <a:p>
-            <a:pPr marL="182880" lvl="0" indent="-182880" algn="l" rtl="0">
+            <a:pPr marL="182880" lvl="0" indent="-182880">
+              <a:spcBef>
+                <a:spcPts val="0"/>
+              </a:spcBef>
+            </a:pPr>
+            <a:r>
+              <a:rPr lang="es-MX" dirty="0">
+                <a:solidFill>
+                  <a:srgbClr val="373A3C"/>
+                </a:solidFill>
+                <a:latin typeface="Arial"/>
+                <a:cs typeface="Arial"/>
+                <a:sym typeface="Arial"/>
+              </a:rPr>
+              <a:t>Título propuesto</a:t>
+            </a:r>
+          </a:p>
+          <a:p>
+            <a:pPr marL="182880" lvl="0" indent="-182880">
+              <a:spcBef>
+                <a:spcPts val="0"/>
+              </a:spcBef>
+            </a:pPr>
+            <a:endParaRPr lang="es-MX" dirty="0">
+              <a:solidFill>
+                <a:srgbClr val="373A3C"/>
+              </a:solidFill>
+              <a:latin typeface="Arial"/>
+              <a:cs typeface="Arial"/>
+              <a:sym typeface="Arial"/>
+            </a:endParaRPr>
+          </a:p>
+          <a:p>
+            <a:pPr marL="182880" lvl="0" indent="-182880">
+              <a:spcBef>
+                <a:spcPts val="0"/>
+              </a:spcBef>
+            </a:pPr>
+            <a:endParaRPr lang="es-MX" dirty="0">
+              <a:solidFill>
+                <a:srgbClr val="373A3C"/>
+              </a:solidFill>
+              <a:latin typeface="Arial"/>
+              <a:cs typeface="Arial"/>
+              <a:sym typeface="Arial"/>
+            </a:endParaRPr>
+          </a:p>
+          <a:p>
+            <a:pPr marL="182880" indent="-182880">
+              <a:spcBef>
+                <a:spcPts val="0"/>
+              </a:spcBef>
+            </a:pPr>
+            <a:r>
+              <a:rPr lang="es-MX" dirty="0">
+                <a:solidFill>
+                  <a:srgbClr val="373A3C"/>
+                </a:solidFill>
+                <a:latin typeface="Arial"/>
+                <a:cs typeface="Arial"/>
+                <a:sym typeface="Arial"/>
+              </a:rPr>
+              <a:t>El problema (contexto)</a:t>
+            </a:r>
+          </a:p>
+          <a:p>
+            <a:pPr marL="182880" indent="-182880">
+              <a:spcBef>
+                <a:spcPts val="0"/>
+              </a:spcBef>
+            </a:pPr>
+            <a:endParaRPr lang="es-ES" dirty="0">
+              <a:solidFill>
+                <a:srgbClr val="373A3C"/>
+              </a:solidFill>
+              <a:latin typeface="Arial"/>
+              <a:cs typeface="Arial"/>
+            </a:endParaRPr>
+          </a:p>
+          <a:p>
+            <a:pPr marL="182880" indent="-182880">
+              <a:spcBef>
+                <a:spcPts val="0"/>
+              </a:spcBef>
+            </a:pPr>
+            <a:endParaRPr dirty="0">
+              <a:solidFill>
+                <a:srgbClr val="373A3C"/>
+              </a:solidFill>
+              <a:latin typeface="Arial"/>
+              <a:cs typeface="Arial"/>
+            </a:endParaRPr>
+          </a:p>
+          <a:p>
+            <a:pPr marL="182880" lvl="0" indent="-182880">
+              <a:spcBef>
+                <a:spcPts val="0"/>
+              </a:spcBef>
+            </a:pPr>
+            <a:r>
+              <a:rPr lang="es-MX" dirty="0">
+                <a:solidFill>
+                  <a:srgbClr val="373A3C"/>
+                </a:solidFill>
+                <a:latin typeface="Arial"/>
+                <a:cs typeface="Arial"/>
+              </a:rPr>
+              <a:t>Flujo de trabajo y </a:t>
+            </a:r>
+            <a:r>
+              <a:rPr lang="es-ES" dirty="0">
+                <a:solidFill>
+                  <a:srgbClr val="373A3C"/>
+                </a:solidFill>
+                <a:latin typeface="Arial"/>
+                <a:cs typeface="Arial"/>
+              </a:rPr>
+              <a:t>descripción del proyecto</a:t>
+            </a:r>
+            <a:endParaRPr lang="es-MX" dirty="0">
+              <a:solidFill>
+                <a:srgbClr val="373A3C"/>
+              </a:solidFill>
+              <a:latin typeface="Arial"/>
+              <a:cs typeface="Arial"/>
+            </a:endParaRPr>
+          </a:p>
+          <a:p>
+            <a:pPr marL="0" lvl="0" indent="0">
+              <a:spcBef>
+                <a:spcPts val="0"/>
+              </a:spcBef>
+              <a:buNone/>
+            </a:pPr>
+            <a:endParaRPr lang="es-MX" dirty="0">
+              <a:solidFill>
+                <a:srgbClr val="373A3C"/>
+              </a:solidFill>
+              <a:latin typeface="Arial"/>
+              <a:cs typeface="Arial"/>
+              <a:sym typeface="Arial"/>
+            </a:endParaRPr>
+          </a:p>
+          <a:p>
+            <a:pPr marL="182880" lvl="0" indent="-182880">
+              <a:spcBef>
+                <a:spcPts val="0"/>
+              </a:spcBef>
+            </a:pPr>
+            <a:endParaRPr dirty="0">
+              <a:solidFill>
+                <a:srgbClr val="373A3C"/>
+              </a:solidFill>
+              <a:latin typeface="Arial"/>
+              <a:cs typeface="Arial"/>
+            </a:endParaRPr>
+          </a:p>
+          <a:p>
+            <a:pPr marL="182880" lvl="0" indent="-182880">
+              <a:spcBef>
+                <a:spcPts val="0"/>
+              </a:spcBef>
+            </a:pPr>
+            <a:r>
+              <a:rPr lang="es-MX" dirty="0">
+                <a:solidFill>
+                  <a:srgbClr val="373A3C"/>
+                </a:solidFill>
+                <a:latin typeface="Arial"/>
+                <a:cs typeface="Arial"/>
+                <a:sym typeface="Arial"/>
+              </a:rPr>
+              <a:t>Métodos y modelos</a:t>
+            </a:r>
+          </a:p>
+          <a:p>
+            <a:pPr marL="182880" lvl="0" indent="-182880">
+              <a:spcBef>
+                <a:spcPts val="0"/>
+              </a:spcBef>
+            </a:pPr>
+            <a:endParaRPr lang="es-MX" dirty="0">
+              <a:solidFill>
+                <a:srgbClr val="373A3C"/>
+              </a:solidFill>
+              <a:latin typeface="Arial"/>
+              <a:cs typeface="Arial"/>
+              <a:sym typeface="Arial"/>
+            </a:endParaRPr>
+          </a:p>
+          <a:p>
+            <a:pPr marL="182880" lvl="0" indent="-182880">
+              <a:spcBef>
+                <a:spcPts val="0"/>
+              </a:spcBef>
+            </a:pPr>
+            <a:endParaRPr dirty="0">
+              <a:solidFill>
+                <a:srgbClr val="373A3C"/>
+              </a:solidFill>
+              <a:latin typeface="Arial"/>
+              <a:cs typeface="Arial"/>
+            </a:endParaRPr>
+          </a:p>
+          <a:p>
+            <a:pPr marL="182880" lvl="0" indent="-182880">
+              <a:spcBef>
+                <a:spcPts val="0"/>
+              </a:spcBef>
+            </a:pPr>
+            <a:r>
+              <a:rPr lang="es-MX" dirty="0">
+                <a:solidFill>
+                  <a:srgbClr val="373A3C"/>
+                </a:solidFill>
+                <a:latin typeface="Arial"/>
+                <a:cs typeface="Arial"/>
+                <a:sym typeface="Arial"/>
+              </a:rPr>
+              <a:t>Resultados deseados del proyecto</a:t>
+            </a:r>
+            <a:endParaRPr dirty="0">
+              <a:solidFill>
+                <a:srgbClr val="373A3C"/>
+              </a:solidFill>
+              <a:latin typeface="Arial"/>
+              <a:cs typeface="Arial"/>
+            </a:endParaRPr>
+          </a:p>
+          <a:p>
+            <a:pPr marL="182880" lvl="0" indent="-68579" algn="l" rtl="0">
               <a:lnSpc>
                 <a:spcPct val="100000"/>
               </a:lnSpc>
               <a:spcBef>
-                <a:spcPts val="0"/>
+                <a:spcPts val="2200"/>
               </a:spcBef>
               <a:spcAft>
                 <a:spcPts val="0"/>
@@ -9069,161 +9299,9 @@
               </a:buClr>
               <a:buSzPts val="1800"/>
               <a:buFont typeface="NTR"/>
-              <a:buChar char="+"/>
+              <a:buNone/>
             </a:pPr>
-            <a:r>
-              <a:rPr lang="es-MX" b="0" i="0">
-                <a:solidFill>
-                  <a:srgbClr val="373A3C"/>
-                </a:solidFill>
-                <a:latin typeface="Arial"/>
-                <a:ea typeface="Arial"/>
-                <a:cs typeface="Arial"/>
-                <a:sym typeface="Arial"/>
-              </a:rPr>
-              <a:t>Título propuesto</a:t>
-            </a:r>
-            <a:endParaRPr/>
-          </a:p>
-          <a:p>
-            <a:pPr marL="182880" lvl="0" indent="-182880" algn="l" rtl="0">
-              <a:lnSpc>
-                <a:spcPct val="100000"/>
-              </a:lnSpc>
-              <a:spcBef>
-                <a:spcPts val="2200"/>
-              </a:spcBef>
-              <a:spcAft>
-                <a:spcPts val="0"/>
-              </a:spcAft>
-              <a:buClr>
-                <a:schemeClr val="accent1"/>
-              </a:buClr>
-              <a:buSzPts val="1800"/>
-              <a:buFont typeface="NTR"/>
-              <a:buChar char="+"/>
-            </a:pPr>
-            <a:r>
-              <a:rPr lang="es-MX"/>
-              <a:t>Esquema del Proyecto </a:t>
-            </a:r>
-            <a:endParaRPr/>
-          </a:p>
-          <a:p>
-            <a:pPr marL="182880" lvl="0" indent="-182880" algn="l" rtl="0">
-              <a:lnSpc>
-                <a:spcPct val="100000"/>
-              </a:lnSpc>
-              <a:spcBef>
-                <a:spcPts val="2200"/>
-              </a:spcBef>
-              <a:spcAft>
-                <a:spcPts val="0"/>
-              </a:spcAft>
-              <a:buClr>
-                <a:schemeClr val="accent1"/>
-              </a:buClr>
-              <a:buSzPts val="1800"/>
-              <a:buFont typeface="NTR"/>
-              <a:buChar char="+"/>
-            </a:pPr>
-            <a:r>
-              <a:rPr lang="es-MX" b="0" i="0">
-                <a:solidFill>
-                  <a:srgbClr val="373A3C"/>
-                </a:solidFill>
-                <a:latin typeface="Arial"/>
-                <a:ea typeface="Arial"/>
-                <a:cs typeface="Arial"/>
-                <a:sym typeface="Arial"/>
-              </a:rPr>
-              <a:t>Justificación del proyecto (por qué es importante para usted, la empresa o la sociedad)</a:t>
-            </a:r>
-            <a:endParaRPr/>
-          </a:p>
-          <a:p>
-            <a:pPr marL="182880" lvl="0" indent="-182880" algn="l" rtl="0">
-              <a:lnSpc>
-                <a:spcPct val="100000"/>
-              </a:lnSpc>
-              <a:spcBef>
-                <a:spcPts val="2200"/>
-              </a:spcBef>
-              <a:spcAft>
-                <a:spcPts val="0"/>
-              </a:spcAft>
-              <a:buClr>
-                <a:schemeClr val="accent1"/>
-              </a:buClr>
-              <a:buSzPts val="1800"/>
-              <a:buFont typeface="NTR"/>
-              <a:buChar char="+"/>
-            </a:pPr>
-            <a:r>
-              <a:rPr lang="es-MX" b="0" i="0">
-                <a:solidFill>
-                  <a:srgbClr val="373A3C"/>
-                </a:solidFill>
-                <a:latin typeface="Arial"/>
-                <a:ea typeface="Arial"/>
-                <a:cs typeface="Arial"/>
-                <a:sym typeface="Arial"/>
-              </a:rPr>
-              <a:t>Conjuntos de datos para usar</a:t>
-            </a:r>
-            <a:endParaRPr/>
-          </a:p>
-          <a:p>
-            <a:pPr marL="182880" lvl="0" indent="-182880" algn="l" rtl="0">
-              <a:lnSpc>
-                <a:spcPct val="100000"/>
-              </a:lnSpc>
-              <a:spcBef>
-                <a:spcPts val="2200"/>
-              </a:spcBef>
-              <a:spcAft>
-                <a:spcPts val="0"/>
-              </a:spcAft>
-              <a:buClr>
-                <a:schemeClr val="accent1"/>
-              </a:buClr>
-              <a:buSzPts val="1800"/>
-              <a:buFont typeface="NTR"/>
-              <a:buChar char="+"/>
-            </a:pPr>
-            <a:r>
-              <a:rPr lang="es-MX" b="0" i="0">
-                <a:solidFill>
-                  <a:srgbClr val="373A3C"/>
-                </a:solidFill>
-                <a:latin typeface="Arial"/>
-                <a:ea typeface="Arial"/>
-                <a:cs typeface="Arial"/>
-                <a:sym typeface="Arial"/>
-              </a:rPr>
-              <a:t>Resultados deseados del proyecto</a:t>
-            </a:r>
-            <a:endParaRPr/>
-          </a:p>
-          <a:p>
-            <a:pPr marL="182880" lvl="0" indent="-68579" algn="l" rtl="0">
-              <a:lnSpc>
-                <a:spcPct val="100000"/>
-              </a:lnSpc>
-              <a:spcBef>
-                <a:spcPts val="2200"/>
-              </a:spcBef>
-              <a:spcAft>
-                <a:spcPts val="0"/>
-              </a:spcAft>
-              <a:buClr>
-                <a:schemeClr val="accent1"/>
-              </a:buClr>
-              <a:buSzPts val="1800"/>
-              <a:buFont typeface="NTR"/>
-              <a:buNone/>
-            </a:pPr>
-            <a:endParaRPr/>
+            <a:endParaRPr dirty="0"/>
           </a:p>
         </p:txBody>
       </p:sp>
@@ -9274,10 +9352,10 @@
               <a:buNone/>
             </a:pPr>
             <a:r>
-              <a:rPr lang="es-MX"/>
-              <a:t>Contenido de la propuesta</a:t>
-            </a:r>
-            <a:endParaRPr/>
+              <a:rPr lang="es-MX" dirty="0"/>
+              <a:t>Contenido</a:t>
+            </a:r>
+            <a:endParaRPr dirty="0"/>
           </a:p>
         </p:txBody>
       </p:sp>
@@ -9805,2116 +9883,6 @@
 <file path=ppt/slides/slide4.xml><?xml version="1.0" encoding="utf-8"?>
 <p:sld xmlns:a="http://schemas.openxmlformats.org/drawingml/2006/main" xmlns:r="http://schemas.openxmlformats.org/officeDocument/2006/relationships" xmlns:p="http://schemas.openxmlformats.org/presentationml/2006/main">
   <p:cSld>
-    <p:spTree>
-      <p:nvGrpSpPr>
-        <p:cNvPr id="1" name="Shape 110"/>
-        <p:cNvGrpSpPr/>
-        <p:nvPr/>
-      </p:nvGrpSpPr>
-      <p:grpSpPr>
-        <a:xfrm>
-          <a:off x="0" y="0"/>
-          <a:ext cx="0" cy="0"/>
-          <a:chOff x="0" y="0"/>
-          <a:chExt cx="0" cy="0"/>
-        </a:xfrm>
-      </p:grpSpPr>
-      <p:sp>
-        <p:nvSpPr>
-          <p:cNvPr id="111" name="Google Shape;111;p4"/>
-          <p:cNvSpPr txBox="1"/>
-          <p:nvPr/>
-        </p:nvSpPr>
-        <p:spPr>
-          <a:xfrm>
-            <a:off x="510558" y="196996"/>
-            <a:ext cx="11658658" cy="1007542"/>
-          </a:xfrm>
-          <a:prstGeom prst="rect">
-            <a:avLst/>
-          </a:prstGeom>
-          <a:noFill/>
-          <a:ln>
-            <a:noFill/>
-          </a:ln>
-        </p:spPr>
-        <p:txBody>
-          <a:bodyPr spcFirstLastPara="1" wrap="square" lIns="91425" tIns="45700" rIns="91425" bIns="45700" anchor="t" anchorCtr="0">
-            <a:noAutofit/>
-          </a:bodyPr>
-          <a:lstStyle/>
-          <a:p>
-            <a:pPr>
-              <a:lnSpc>
-                <a:spcPct val="85000"/>
-              </a:lnSpc>
-              <a:buClr>
-                <a:schemeClr val="accent1"/>
-              </a:buClr>
-              <a:buSzPts val="3200"/>
-            </a:pPr>
-            <a:r>
-              <a:rPr lang="es-MX" sz="3200" b="1" dirty="0">
-                <a:solidFill>
-                  <a:schemeClr val="accent1"/>
-                </a:solidFill>
-                <a:latin typeface="Calibri"/>
-                <a:cs typeface="Calibri"/>
-                <a:sym typeface="Calibri"/>
-              </a:rPr>
-              <a:t>Esquema de la propuesta de proyecto final: Aplicación de modelos de Aprendizaje supervisado para pronóstico de demanda de gas natural en México</a:t>
-            </a:r>
-            <a:endParaRPr lang="es-MX" sz="3200" b="1" dirty="0">
-              <a:solidFill>
-                <a:schemeClr val="accent1"/>
-              </a:solidFill>
-              <a:latin typeface="Calibri"/>
-              <a:cs typeface="Calibri"/>
-            </a:endParaRPr>
-          </a:p>
-          <a:p>
-            <a:pPr marL="0" marR="0" lvl="0" indent="0" algn="l" rtl="0">
-              <a:lnSpc>
-                <a:spcPct val="85000"/>
-              </a:lnSpc>
-              <a:spcBef>
-                <a:spcPts val="0"/>
-              </a:spcBef>
-              <a:spcAft>
-                <a:spcPts val="0"/>
-              </a:spcAft>
-              <a:buClr>
-                <a:schemeClr val="accent1"/>
-              </a:buClr>
-              <a:buSzPts val="3200"/>
-              <a:buFont typeface="Calibri"/>
-              <a:buNone/>
-            </a:pPr>
-            <a:endParaRPr sz="3200" b="1" dirty="0">
-              <a:solidFill>
-                <a:schemeClr val="accent1"/>
-              </a:solidFill>
-              <a:latin typeface="Calibri"/>
-              <a:ea typeface="Calibri"/>
-              <a:cs typeface="Calibri"/>
-              <a:sym typeface="Calibri"/>
-            </a:endParaRPr>
-          </a:p>
-        </p:txBody>
-      </p:sp>
-      <p:sp>
-        <p:nvSpPr>
-          <p:cNvPr id="112" name="Google Shape;112;p4"/>
-          <p:cNvSpPr/>
-          <p:nvPr/>
-        </p:nvSpPr>
-        <p:spPr>
-          <a:xfrm>
-            <a:off x="423884" y="5492503"/>
-            <a:ext cx="11311936" cy="199059"/>
-          </a:xfrm>
-          <a:prstGeom prst="rect">
-            <a:avLst/>
-          </a:prstGeom>
-          <a:solidFill>
-            <a:srgbClr val="8FA1CF"/>
-          </a:solidFill>
-          <a:ln w="9525" cap="flat" cmpd="sng">
-            <a:solidFill>
-              <a:srgbClr val="364A7D"/>
-            </a:solidFill>
-            <a:prstDash val="solid"/>
-            <a:round/>
-            <a:headEnd type="none" w="sm" len="sm"/>
-            <a:tailEnd type="none" w="sm" len="sm"/>
-          </a:ln>
-        </p:spPr>
-        <p:txBody>
-          <a:bodyPr spcFirstLastPara="1" wrap="square" lIns="91425" tIns="45700" rIns="91425" bIns="45700" anchor="ctr" anchorCtr="0">
-            <a:noAutofit/>
-          </a:bodyPr>
-          <a:lstStyle/>
-          <a:p>
-            <a:pPr marL="0" marR="0" lvl="0" indent="0" algn="ctr" rtl="0">
-              <a:spcBef>
-                <a:spcPts val="0"/>
-              </a:spcBef>
-              <a:spcAft>
-                <a:spcPts val="0"/>
-              </a:spcAft>
-              <a:buNone/>
-            </a:pPr>
-            <a:r>
-              <a:rPr lang="es-MX" sz="1200" b="1">
-                <a:solidFill>
-                  <a:schemeClr val="lt1"/>
-                </a:solidFill>
-                <a:latin typeface="Calibri"/>
-                <a:ea typeface="Calibri"/>
-                <a:cs typeface="Calibri"/>
-                <a:sym typeface="Calibri"/>
-              </a:rPr>
-              <a:t>Premisas</a:t>
-            </a:r>
-            <a:endParaRPr/>
-          </a:p>
-        </p:txBody>
-      </p:sp>
-      <p:sp>
-        <p:nvSpPr>
-          <p:cNvPr id="113" name="Google Shape;113;p4"/>
-          <p:cNvSpPr/>
-          <p:nvPr/>
-        </p:nvSpPr>
-        <p:spPr>
-          <a:xfrm>
-            <a:off x="423884" y="5731928"/>
-            <a:ext cx="11311936" cy="597775"/>
-          </a:xfrm>
-          <a:prstGeom prst="rect">
-            <a:avLst/>
-          </a:prstGeom>
-          <a:noFill/>
-          <a:ln w="9525" cap="flat" cmpd="sng">
-            <a:solidFill>
-              <a:srgbClr val="003063"/>
-            </a:solidFill>
-            <a:prstDash val="solid"/>
-            <a:round/>
-            <a:headEnd type="none" w="sm" len="sm"/>
-            <a:tailEnd type="none" w="sm" len="sm"/>
-          </a:ln>
-        </p:spPr>
-        <p:txBody>
-          <a:bodyPr spcFirstLastPara="1" wrap="square" lIns="91425" tIns="45700" rIns="91425" bIns="45700" numCol="2" anchor="ctr" anchorCtr="0">
-            <a:noAutofit/>
-          </a:bodyPr>
-          <a:lstStyle/>
-          <a:p>
-            <a:pPr marL="228600" marR="0" lvl="0" indent="-228600" algn="l" rtl="0">
-              <a:spcBef>
-                <a:spcPts val="0"/>
-              </a:spcBef>
-              <a:spcAft>
-                <a:spcPts val="0"/>
-              </a:spcAft>
-              <a:buClr>
-                <a:srgbClr val="000000"/>
-              </a:buClr>
-              <a:buSzPts val="1000"/>
-              <a:buFont typeface="Calibri"/>
-              <a:buAutoNum type="arabicPeriod"/>
-            </a:pPr>
-            <a:r>
-              <a:rPr lang="es-MX" sz="1000" i="1" dirty="0">
-                <a:solidFill>
-                  <a:srgbClr val="000000"/>
-                </a:solidFill>
-                <a:latin typeface="Calibri"/>
-                <a:ea typeface="Calibri"/>
-                <a:cs typeface="Calibri"/>
-                <a:sym typeface="Calibri"/>
-              </a:rPr>
-              <a:t>Se usarán datos históricos mensuales como data de input  </a:t>
-            </a:r>
-          </a:p>
-          <a:p>
-            <a:pPr marL="228600" marR="0" lvl="0" indent="-228600" algn="l" rtl="0">
-              <a:spcBef>
-                <a:spcPts val="0"/>
-              </a:spcBef>
-              <a:spcAft>
-                <a:spcPts val="0"/>
-              </a:spcAft>
-              <a:buClr>
-                <a:srgbClr val="000000"/>
-              </a:buClr>
-              <a:buSzPts val="1000"/>
-              <a:buFont typeface="Calibri"/>
-              <a:buAutoNum type="arabicPeriod"/>
-            </a:pPr>
-            <a:r>
-              <a:rPr lang="es-MX" sz="1000" i="1" dirty="0">
-                <a:solidFill>
-                  <a:srgbClr val="000000"/>
-                </a:solidFill>
-                <a:latin typeface="Calibri"/>
-                <a:ea typeface="Calibri"/>
-                <a:cs typeface="Calibri"/>
-                <a:sym typeface="Calibri"/>
-              </a:rPr>
-              <a:t>Se construirá un escenario con corte de datos a Agosto de 2022:</a:t>
-            </a:r>
-            <a:endParaRPr dirty="0"/>
-          </a:p>
-          <a:p>
-            <a:pPr marL="228600" marR="0" lvl="0" indent="-228600" algn="l" rtl="0">
-              <a:spcBef>
-                <a:spcPts val="0"/>
-              </a:spcBef>
-              <a:spcAft>
-                <a:spcPts val="0"/>
-              </a:spcAft>
-              <a:buClr>
-                <a:srgbClr val="000000"/>
-              </a:buClr>
-              <a:buSzPts val="1000"/>
-              <a:buFont typeface="Calibri"/>
-              <a:buAutoNum type="arabicPeriod"/>
-            </a:pPr>
-            <a:r>
-              <a:rPr lang="es-MX" sz="1000" i="1" dirty="0">
-                <a:solidFill>
-                  <a:srgbClr val="000000"/>
-                </a:solidFill>
-                <a:latin typeface="Calibri"/>
-                <a:ea typeface="Calibri"/>
-                <a:cs typeface="Calibri"/>
-                <a:sym typeface="Calibri"/>
-              </a:rPr>
-              <a:t>Se tratará los datos de 2020 y 2021 como outliers </a:t>
-            </a:r>
-            <a:endParaRPr dirty="0"/>
-          </a:p>
-          <a:p>
-            <a:pPr marL="228600" marR="0" lvl="0" indent="-228600" algn="l" rtl="0">
-              <a:spcBef>
-                <a:spcPts val="0"/>
-              </a:spcBef>
-              <a:spcAft>
-                <a:spcPts val="0"/>
-              </a:spcAft>
-              <a:buClr>
-                <a:srgbClr val="000000"/>
-              </a:buClr>
-              <a:buSzPts val="1000"/>
-              <a:buFont typeface="Calibri"/>
-              <a:buAutoNum type="arabicPeriod"/>
-            </a:pPr>
-            <a:r>
-              <a:rPr lang="es-MX" sz="1000" i="1" dirty="0">
-                <a:solidFill>
-                  <a:srgbClr val="000000"/>
-                </a:solidFill>
-                <a:latin typeface="Calibri"/>
-                <a:ea typeface="Calibri"/>
-                <a:cs typeface="Calibri"/>
-                <a:sym typeface="Calibri"/>
-              </a:rPr>
-              <a:t>Se usará</a:t>
-            </a:r>
-            <a:r>
-              <a:rPr lang="es-MX" sz="1000" i="1" dirty="0">
-                <a:latin typeface="Calibri"/>
-                <a:ea typeface="Calibri"/>
-                <a:cs typeface="Calibri"/>
-                <a:sym typeface="Calibri"/>
-              </a:rPr>
-              <a:t> el ~90% de los datos históricos mensuales como </a:t>
-            </a:r>
-            <a:r>
-              <a:rPr lang="es-MX" sz="1000" i="1" dirty="0" err="1">
-                <a:latin typeface="Calibri"/>
-                <a:ea typeface="Calibri"/>
-                <a:cs typeface="Calibri"/>
-                <a:sym typeface="Calibri"/>
-              </a:rPr>
-              <a:t>train</a:t>
-            </a:r>
-            <a:r>
-              <a:rPr lang="es-MX" sz="1000" i="1" dirty="0">
-                <a:latin typeface="Calibri"/>
-                <a:ea typeface="Calibri"/>
-                <a:cs typeface="Calibri"/>
-                <a:sym typeface="Calibri"/>
-              </a:rPr>
-              <a:t> y el ~10 % como test </a:t>
-            </a:r>
-          </a:p>
-          <a:p>
-            <a:pPr marL="228600" marR="0" lvl="0" indent="-228600" algn="l" rtl="0">
-              <a:spcBef>
-                <a:spcPts val="0"/>
-              </a:spcBef>
-              <a:spcAft>
-                <a:spcPts val="0"/>
-              </a:spcAft>
-              <a:buClr>
-                <a:srgbClr val="000000"/>
-              </a:buClr>
-              <a:buSzPts val="1000"/>
-              <a:buFont typeface="Calibri"/>
-              <a:buAutoNum type="arabicPeriod"/>
-            </a:pPr>
-            <a:r>
-              <a:rPr lang="es-MX" sz="1000" i="1" dirty="0">
-                <a:latin typeface="Calibri"/>
-                <a:ea typeface="Calibri"/>
-                <a:cs typeface="Calibri"/>
-                <a:sym typeface="Calibri"/>
-              </a:rPr>
-              <a:t>Se espera obtener pronóstico de 12 meses de demanda como output </a:t>
-            </a:r>
-          </a:p>
-          <a:p>
-            <a:pPr marL="228600" marR="0" lvl="0" indent="-228600" algn="l" rtl="0">
-              <a:spcBef>
-                <a:spcPts val="0"/>
-              </a:spcBef>
-              <a:spcAft>
-                <a:spcPts val="0"/>
-              </a:spcAft>
-              <a:buClr>
-                <a:srgbClr val="000000"/>
-              </a:buClr>
-              <a:buSzPts val="1000"/>
-              <a:buFont typeface="Calibri"/>
-              <a:buAutoNum type="arabicPeriod"/>
-            </a:pPr>
-            <a:r>
-              <a:rPr lang="es-MX" sz="1000" i="1" dirty="0">
-                <a:latin typeface="Calibri"/>
-                <a:ea typeface="Calibri"/>
-                <a:cs typeface="Calibri"/>
-                <a:sym typeface="Calibri"/>
-              </a:rPr>
-              <a:t>4. Se evaluarán los modelos por el que tenga el menor error (MAPE, RMSE) y el mejor criterio de información (</a:t>
-            </a:r>
-            <a:r>
-              <a:rPr lang="es-MX" sz="1000" i="1" dirty="0" err="1">
-                <a:latin typeface="Calibri"/>
-                <a:ea typeface="Calibri"/>
-                <a:cs typeface="Calibri"/>
-                <a:sym typeface="Calibri"/>
-              </a:rPr>
-              <a:t>e.g</a:t>
-            </a:r>
-            <a:r>
-              <a:rPr lang="es-MX" sz="1000" i="1" dirty="0">
-                <a:latin typeface="Calibri"/>
-                <a:ea typeface="Calibri"/>
-                <a:cs typeface="Calibri"/>
-                <a:sym typeface="Calibri"/>
-              </a:rPr>
-              <a:t>. AIC)</a:t>
-            </a:r>
-          </a:p>
-          <a:p>
-            <a:pPr marR="0" lvl="0" algn="l" rtl="0">
-              <a:spcBef>
-                <a:spcPts val="0"/>
-              </a:spcBef>
-              <a:spcAft>
-                <a:spcPts val="0"/>
-              </a:spcAft>
-              <a:buClr>
-                <a:srgbClr val="000000"/>
-              </a:buClr>
-              <a:buSzPts val="1000"/>
-            </a:pPr>
-            <a:endParaRPr lang="es-MX" sz="1000" i="1" dirty="0">
-              <a:latin typeface="Calibri"/>
-              <a:ea typeface="Calibri"/>
-              <a:cs typeface="Calibri"/>
-              <a:sym typeface="Calibri"/>
-            </a:endParaRPr>
-          </a:p>
-        </p:txBody>
-      </p:sp>
-      <p:sp>
-        <p:nvSpPr>
-          <p:cNvPr id="114" name="Google Shape;114;p4"/>
-          <p:cNvSpPr/>
-          <p:nvPr/>
-        </p:nvSpPr>
-        <p:spPr>
-          <a:xfrm>
-            <a:off x="3561433" y="1478165"/>
-            <a:ext cx="495759" cy="3635457"/>
-          </a:xfrm>
-          <a:prstGeom prst="chevron">
-            <a:avLst>
-              <a:gd name="adj" fmla="val 77325"/>
-            </a:avLst>
-          </a:prstGeom>
-          <a:solidFill>
-            <a:schemeClr val="accent1"/>
-          </a:solidFill>
-          <a:ln w="15875" cap="flat" cmpd="sng">
-            <a:solidFill>
-              <a:srgbClr val="364A7D"/>
-            </a:solidFill>
-            <a:prstDash val="solid"/>
-            <a:round/>
-            <a:headEnd type="none" w="sm" len="sm"/>
-            <a:tailEnd type="none" w="sm" len="sm"/>
-          </a:ln>
-        </p:spPr>
-        <p:txBody>
-          <a:bodyPr spcFirstLastPara="1" wrap="square" lIns="91425" tIns="45700" rIns="91425" bIns="45700" anchor="ctr" anchorCtr="0">
-            <a:noAutofit/>
-          </a:bodyPr>
-          <a:lstStyle/>
-          <a:p>
-            <a:pPr marL="0" marR="0" lvl="0" indent="0" algn="ctr" rtl="0">
-              <a:spcBef>
-                <a:spcPts val="0"/>
-              </a:spcBef>
-              <a:spcAft>
-                <a:spcPts val="0"/>
-              </a:spcAft>
-              <a:buNone/>
-            </a:pPr>
-            <a:endParaRPr sz="1800">
-              <a:solidFill>
-                <a:schemeClr val="dk1"/>
-              </a:solidFill>
-              <a:latin typeface="Calibri"/>
-              <a:ea typeface="Calibri"/>
-              <a:cs typeface="Calibri"/>
-              <a:sym typeface="Calibri"/>
-            </a:endParaRPr>
-          </a:p>
-        </p:txBody>
-      </p:sp>
-      <p:sp>
-        <p:nvSpPr>
-          <p:cNvPr id="115" name="Google Shape;115;p4"/>
-          <p:cNvSpPr txBox="1"/>
-          <p:nvPr/>
-        </p:nvSpPr>
-        <p:spPr>
-          <a:xfrm>
-            <a:off x="661273" y="1753766"/>
-            <a:ext cx="2842500" cy="3765093"/>
-          </a:xfrm>
-          <a:prstGeom prst="rect">
-            <a:avLst/>
-          </a:prstGeom>
-          <a:noFill/>
-          <a:ln>
-            <a:noFill/>
-          </a:ln>
-        </p:spPr>
-        <p:txBody>
-          <a:bodyPr spcFirstLastPara="1" wrap="square" lIns="91425" tIns="45700" rIns="91425" bIns="45700" anchor="t" anchorCtr="0">
-            <a:spAutoFit/>
-          </a:bodyPr>
-          <a:lstStyle/>
-          <a:p>
-            <a:pPr marL="0" marR="0" lvl="0" indent="0" algn="ctr" rtl="0">
-              <a:spcBef>
-                <a:spcPts val="1400"/>
-              </a:spcBef>
-              <a:spcAft>
-                <a:spcPts val="0"/>
-              </a:spcAft>
-              <a:buNone/>
-            </a:pPr>
-            <a:endParaRPr sz="1400" b="1" dirty="0">
-              <a:solidFill>
-                <a:schemeClr val="dk1"/>
-              </a:solidFill>
-              <a:latin typeface="Calibri"/>
-              <a:ea typeface="Calibri"/>
-              <a:cs typeface="Calibri"/>
-              <a:sym typeface="Calibri"/>
-            </a:endParaRPr>
-          </a:p>
-          <a:p>
-            <a:pPr marL="361950" marR="0" lvl="0" indent="0" algn="l" rtl="0">
-              <a:spcBef>
-                <a:spcPts val="0"/>
-              </a:spcBef>
-              <a:spcAft>
-                <a:spcPts val="0"/>
-              </a:spcAft>
-              <a:buNone/>
-            </a:pPr>
-            <a:r>
-              <a:rPr lang="es-MX" sz="1200" dirty="0">
-                <a:solidFill>
-                  <a:schemeClr val="dk1"/>
-                </a:solidFill>
-                <a:latin typeface="Calibri"/>
-                <a:ea typeface="Calibri"/>
-                <a:cs typeface="Calibri"/>
-                <a:sym typeface="Calibri"/>
-              </a:rPr>
-              <a:t>Información histórica mensual  de consumo</a:t>
-            </a:r>
-            <a:endParaRPr dirty="0"/>
-          </a:p>
-          <a:p>
-            <a:pPr marL="361950" marR="0" lvl="0" indent="0" algn="l" rtl="0">
-              <a:spcBef>
-                <a:spcPts val="0"/>
-              </a:spcBef>
-              <a:spcAft>
-                <a:spcPts val="0"/>
-              </a:spcAft>
-              <a:buNone/>
-            </a:pPr>
-            <a:r>
-              <a:rPr lang="es-MX" sz="1200" dirty="0">
-                <a:solidFill>
-                  <a:schemeClr val="dk1"/>
-                </a:solidFill>
-                <a:latin typeface="Calibri"/>
-                <a:ea typeface="Calibri"/>
-                <a:cs typeface="Calibri"/>
-                <a:sym typeface="Calibri"/>
-              </a:rPr>
-              <a:t>De Gas natural por sector</a:t>
-            </a:r>
-            <a:endParaRPr dirty="0"/>
-          </a:p>
-          <a:p>
-            <a:pPr marL="361950" marR="0" lvl="0" indent="0" algn="l" rtl="0">
-              <a:spcBef>
-                <a:spcPts val="0"/>
-              </a:spcBef>
-              <a:spcAft>
-                <a:spcPts val="0"/>
-              </a:spcAft>
-              <a:buNone/>
-            </a:pPr>
-            <a:endParaRPr sz="1200" dirty="0">
-              <a:solidFill>
-                <a:schemeClr val="dk1"/>
-              </a:solidFill>
-              <a:latin typeface="Calibri"/>
-              <a:ea typeface="Calibri"/>
-              <a:cs typeface="Calibri"/>
-              <a:sym typeface="Calibri"/>
-            </a:endParaRPr>
-          </a:p>
-          <a:p>
-            <a:pPr marL="361950" marR="0" lvl="0" indent="0" algn="l" rtl="0">
-              <a:spcBef>
-                <a:spcPts val="1400"/>
-              </a:spcBef>
-              <a:spcAft>
-                <a:spcPts val="0"/>
-              </a:spcAft>
-              <a:buNone/>
-            </a:pPr>
-            <a:r>
-              <a:rPr lang="es-MX" sz="1200" dirty="0">
-                <a:solidFill>
-                  <a:schemeClr val="dk1"/>
-                </a:solidFill>
-                <a:latin typeface="Calibri"/>
-                <a:ea typeface="Calibri"/>
-                <a:cs typeface="Calibri"/>
-                <a:sym typeface="Calibri"/>
-              </a:rPr>
-              <a:t>Información histórica mensual de PIB, población y derivados</a:t>
-            </a:r>
-            <a:endParaRPr dirty="0"/>
-          </a:p>
-          <a:p>
-            <a:pPr marL="361950" marR="0" lvl="0" indent="0" algn="l" rtl="0">
-              <a:spcBef>
-                <a:spcPts val="1400"/>
-              </a:spcBef>
-              <a:spcAft>
-                <a:spcPts val="0"/>
-              </a:spcAft>
-              <a:buNone/>
-            </a:pPr>
-            <a:r>
-              <a:rPr lang="es-MX" sz="1200" dirty="0">
-                <a:solidFill>
-                  <a:schemeClr val="dk1"/>
-                </a:solidFill>
-                <a:latin typeface="Calibri"/>
-                <a:ea typeface="Calibri"/>
-                <a:cs typeface="Calibri"/>
-                <a:sym typeface="Calibri"/>
-              </a:rPr>
-              <a:t>Proceso de Limpieza y preparación de datos:</a:t>
-            </a:r>
-            <a:endParaRPr dirty="0"/>
-          </a:p>
-          <a:p>
-            <a:pPr marL="533400" marR="0" lvl="0" indent="-171450" algn="l" rtl="0">
-              <a:spcBef>
-                <a:spcPts val="1400"/>
-              </a:spcBef>
-              <a:spcAft>
-                <a:spcPts val="0"/>
-              </a:spcAft>
-              <a:buClr>
-                <a:schemeClr val="dk1"/>
-              </a:buClr>
-              <a:buSzPts val="1200"/>
-              <a:buFont typeface="Noto Sans Symbols"/>
-              <a:buChar char="⮚"/>
-            </a:pPr>
-            <a:r>
-              <a:rPr lang="es-MX" sz="1200" dirty="0">
-                <a:solidFill>
-                  <a:schemeClr val="dk1"/>
-                </a:solidFill>
-                <a:latin typeface="Calibri"/>
-                <a:ea typeface="Calibri"/>
-                <a:cs typeface="Calibri"/>
-                <a:sym typeface="Calibri"/>
-              </a:rPr>
-              <a:t>Identificación y tratamiento de </a:t>
-            </a:r>
-            <a:r>
-              <a:rPr lang="es-MX" sz="1200" i="1" dirty="0">
-                <a:solidFill>
-                  <a:schemeClr val="dk1"/>
-                </a:solidFill>
-                <a:latin typeface="Calibri"/>
-                <a:ea typeface="Calibri"/>
-                <a:cs typeface="Calibri"/>
-                <a:sym typeface="Calibri"/>
-              </a:rPr>
-              <a:t>outliers </a:t>
-            </a:r>
-            <a:r>
-              <a:rPr lang="es-MX" sz="1200" dirty="0">
-                <a:solidFill>
-                  <a:schemeClr val="dk1"/>
-                </a:solidFill>
-                <a:latin typeface="Calibri"/>
-                <a:ea typeface="Calibri"/>
-                <a:cs typeface="Calibri"/>
-                <a:sym typeface="Calibri"/>
-              </a:rPr>
-              <a:t>y datos faltantes</a:t>
-            </a:r>
-            <a:endParaRPr dirty="0"/>
-          </a:p>
-          <a:p>
-            <a:pPr marL="533400" marR="0" lvl="0" indent="-171450" algn="l" rtl="0">
-              <a:spcBef>
-                <a:spcPts val="600"/>
-              </a:spcBef>
-              <a:spcAft>
-                <a:spcPts val="0"/>
-              </a:spcAft>
-              <a:buClr>
-                <a:schemeClr val="dk1"/>
-              </a:buClr>
-              <a:buSzPts val="1200"/>
-              <a:buFont typeface="Noto Sans Symbols"/>
-              <a:buChar char="⮚"/>
-            </a:pPr>
-            <a:r>
-              <a:rPr lang="es-MX" sz="1200" dirty="0">
-                <a:solidFill>
-                  <a:schemeClr val="dk1"/>
-                </a:solidFill>
-                <a:latin typeface="Calibri"/>
-                <a:ea typeface="Calibri"/>
-                <a:cs typeface="Calibri"/>
-                <a:sym typeface="Calibri"/>
-              </a:rPr>
-              <a:t>Normalización </a:t>
-            </a:r>
-            <a:endParaRPr dirty="0"/>
-          </a:p>
-          <a:p>
-            <a:pPr marL="533400" marR="0" lvl="0" indent="-171450" algn="l" rtl="0">
-              <a:spcBef>
-                <a:spcPts val="600"/>
-              </a:spcBef>
-              <a:spcAft>
-                <a:spcPts val="0"/>
-              </a:spcAft>
-              <a:buClr>
-                <a:schemeClr val="dk1"/>
-              </a:buClr>
-              <a:buSzPts val="1200"/>
-              <a:buFont typeface="Noto Sans Symbols"/>
-              <a:buChar char="⮚"/>
-            </a:pPr>
-            <a:r>
-              <a:rPr lang="es-MX" sz="1200" dirty="0">
-                <a:solidFill>
-                  <a:schemeClr val="dk1"/>
-                </a:solidFill>
-                <a:latin typeface="Calibri"/>
-                <a:ea typeface="Calibri"/>
-                <a:cs typeface="Calibri"/>
-                <a:sym typeface="Calibri"/>
-              </a:rPr>
-              <a:t>Formato de serie de tiempo o lista según requiera el modelo a usar </a:t>
-            </a:r>
-            <a:endParaRPr dirty="0"/>
-          </a:p>
-        </p:txBody>
-      </p:sp>
-      <p:sp>
-        <p:nvSpPr>
-          <p:cNvPr id="116" name="Google Shape;116;p4"/>
-          <p:cNvSpPr/>
-          <p:nvPr/>
-        </p:nvSpPr>
-        <p:spPr>
-          <a:xfrm>
-            <a:off x="4854436" y="1400220"/>
-            <a:ext cx="2841547" cy="307777"/>
-          </a:xfrm>
-          <a:prstGeom prst="rect">
-            <a:avLst/>
-          </a:prstGeom>
-          <a:noFill/>
-          <a:ln>
-            <a:noFill/>
-          </a:ln>
-        </p:spPr>
-        <p:txBody>
-          <a:bodyPr spcFirstLastPara="1" wrap="square" lIns="91425" tIns="45700" rIns="91425" bIns="45700" anchor="t" anchorCtr="0">
-            <a:spAutoFit/>
-          </a:bodyPr>
-          <a:lstStyle/>
-          <a:p>
-            <a:pPr marL="0" marR="0" lvl="0" indent="0" algn="l" rtl="0">
-              <a:spcBef>
-                <a:spcPts val="0"/>
-              </a:spcBef>
-              <a:spcAft>
-                <a:spcPts val="0"/>
-              </a:spcAft>
-              <a:buNone/>
-            </a:pPr>
-            <a:r>
-              <a:rPr lang="es-MX" sz="1400" b="1" dirty="0">
-                <a:solidFill>
-                  <a:srgbClr val="000000"/>
-                </a:solidFill>
-                <a:latin typeface="Calibri"/>
-                <a:ea typeface="Calibri"/>
-                <a:cs typeface="Calibri"/>
-                <a:sym typeface="Calibri"/>
-              </a:rPr>
-              <a:t>Desarrollo y evaluación de Modelos</a:t>
-            </a:r>
-            <a:endParaRPr dirty="0"/>
-          </a:p>
-        </p:txBody>
-      </p:sp>
-      <p:sp>
-        <p:nvSpPr>
-          <p:cNvPr id="117" name="Google Shape;117;p4"/>
-          <p:cNvSpPr/>
-          <p:nvPr/>
-        </p:nvSpPr>
-        <p:spPr>
-          <a:xfrm>
-            <a:off x="9714550" y="1400220"/>
-            <a:ext cx="2221417" cy="523220"/>
-          </a:xfrm>
-          <a:prstGeom prst="rect">
-            <a:avLst/>
-          </a:prstGeom>
-          <a:noFill/>
-          <a:ln>
-            <a:noFill/>
-          </a:ln>
-        </p:spPr>
-        <p:txBody>
-          <a:bodyPr spcFirstLastPara="1" wrap="square" lIns="91425" tIns="45700" rIns="91425" bIns="45700" anchor="t" anchorCtr="0">
-            <a:spAutoFit/>
-          </a:bodyPr>
-          <a:lstStyle/>
-          <a:p>
-            <a:pPr marL="0" marR="0" lvl="0" indent="0" algn="ctr" rtl="0">
-              <a:spcBef>
-                <a:spcPts val="0"/>
-              </a:spcBef>
-              <a:spcAft>
-                <a:spcPts val="0"/>
-              </a:spcAft>
-              <a:buNone/>
-            </a:pPr>
-            <a:r>
-              <a:rPr lang="es-MX" b="1" dirty="0">
-                <a:latin typeface="Calibri"/>
-                <a:ea typeface="Calibri"/>
-                <a:cs typeface="Calibri"/>
-                <a:sym typeface="Calibri"/>
-              </a:rPr>
-              <a:t>Comparación de modelos y conclusiones generales </a:t>
-            </a:r>
-            <a:endParaRPr dirty="0"/>
-          </a:p>
-        </p:txBody>
-      </p:sp>
-      <p:sp>
-        <p:nvSpPr>
-          <p:cNvPr id="118" name="Google Shape;118;p4"/>
-          <p:cNvSpPr/>
-          <p:nvPr/>
-        </p:nvSpPr>
-        <p:spPr>
-          <a:xfrm>
-            <a:off x="8853376" y="1478165"/>
-            <a:ext cx="495759" cy="3635457"/>
-          </a:xfrm>
-          <a:prstGeom prst="chevron">
-            <a:avLst>
-              <a:gd name="adj" fmla="val 77325"/>
-            </a:avLst>
-          </a:prstGeom>
-          <a:solidFill>
-            <a:schemeClr val="accent1"/>
-          </a:solidFill>
-          <a:ln w="15875" cap="flat" cmpd="sng">
-            <a:solidFill>
-              <a:srgbClr val="364A7D"/>
-            </a:solidFill>
-            <a:prstDash val="solid"/>
-            <a:round/>
-            <a:headEnd type="none" w="sm" len="sm"/>
-            <a:tailEnd type="none" w="sm" len="sm"/>
-          </a:ln>
-        </p:spPr>
-        <p:txBody>
-          <a:bodyPr spcFirstLastPara="1" wrap="square" lIns="91425" tIns="45700" rIns="91425" bIns="45700" anchor="ctr" anchorCtr="0">
-            <a:noAutofit/>
-          </a:bodyPr>
-          <a:lstStyle/>
-          <a:p>
-            <a:pPr marL="0" marR="0" lvl="0" indent="0" algn="ctr" rtl="0">
-              <a:spcBef>
-                <a:spcPts val="0"/>
-              </a:spcBef>
-              <a:spcAft>
-                <a:spcPts val="0"/>
-              </a:spcAft>
-              <a:buNone/>
-            </a:pPr>
-            <a:endParaRPr sz="1800">
-              <a:solidFill>
-                <a:schemeClr val="dk1"/>
-              </a:solidFill>
-              <a:latin typeface="Calibri"/>
-              <a:ea typeface="Calibri"/>
-              <a:cs typeface="Calibri"/>
-              <a:sym typeface="Calibri"/>
-            </a:endParaRPr>
-          </a:p>
-        </p:txBody>
-      </p:sp>
-      <p:sp>
-        <p:nvSpPr>
-          <p:cNvPr id="119" name="Google Shape;119;p4"/>
-          <p:cNvSpPr txBox="1"/>
-          <p:nvPr/>
-        </p:nvSpPr>
-        <p:spPr>
-          <a:xfrm>
-            <a:off x="4404384" y="1633301"/>
-            <a:ext cx="1440771" cy="276999"/>
-          </a:xfrm>
-          <a:prstGeom prst="rect">
-            <a:avLst/>
-          </a:prstGeom>
-          <a:noFill/>
-          <a:ln>
-            <a:noFill/>
-          </a:ln>
-        </p:spPr>
-        <p:txBody>
-          <a:bodyPr spcFirstLastPara="1" wrap="square" lIns="91425" tIns="45700" rIns="91425" bIns="45700" anchor="t" anchorCtr="0">
-            <a:spAutoFit/>
-          </a:bodyPr>
-          <a:lstStyle/>
-          <a:p>
-            <a:pPr marL="0" marR="0" lvl="0" indent="0" algn="ctr" rtl="0">
-              <a:spcBef>
-                <a:spcPts val="0"/>
-              </a:spcBef>
-              <a:spcAft>
-                <a:spcPts val="0"/>
-              </a:spcAft>
-              <a:buNone/>
-            </a:pPr>
-            <a:r>
-              <a:rPr lang="es-MX" sz="1200" b="1" i="1">
-                <a:solidFill>
-                  <a:srgbClr val="FF6699"/>
-                </a:solidFill>
-                <a:latin typeface="Calibri"/>
-                <a:ea typeface="Calibri"/>
-                <a:cs typeface="Calibri"/>
-                <a:sym typeface="Calibri"/>
-              </a:rPr>
-              <a:t>Series de Tiempo </a:t>
-            </a:r>
-            <a:endParaRPr/>
-          </a:p>
-        </p:txBody>
-      </p:sp>
-      <p:pic>
-        <p:nvPicPr>
-          <p:cNvPr id="120" name="Google Shape;120;p4"/>
-          <p:cNvPicPr preferRelativeResize="0"/>
-          <p:nvPr/>
-        </p:nvPicPr>
-        <p:blipFill rotWithShape="1">
-          <a:blip r:embed="rId3">
-            <a:alphaModFix/>
-          </a:blip>
-          <a:srcRect/>
-          <a:stretch/>
-        </p:blipFill>
-        <p:spPr>
-          <a:xfrm>
-            <a:off x="494050" y="2405647"/>
-            <a:ext cx="450296" cy="379149"/>
-          </a:xfrm>
-          <a:prstGeom prst="rect">
-            <a:avLst/>
-          </a:prstGeom>
-          <a:noFill/>
-          <a:ln>
-            <a:noFill/>
-          </a:ln>
-        </p:spPr>
-      </p:pic>
-      <p:pic>
-        <p:nvPicPr>
-          <p:cNvPr id="121" name="Google Shape;121;p4"/>
-          <p:cNvPicPr preferRelativeResize="0"/>
-          <p:nvPr/>
-        </p:nvPicPr>
-        <p:blipFill rotWithShape="1">
-          <a:blip r:embed="rId4">
-            <a:alphaModFix/>
-          </a:blip>
-          <a:srcRect/>
-          <a:stretch/>
-        </p:blipFill>
-        <p:spPr>
-          <a:xfrm>
-            <a:off x="520560" y="3116891"/>
-            <a:ext cx="397276" cy="413968"/>
-          </a:xfrm>
-          <a:prstGeom prst="rect">
-            <a:avLst/>
-          </a:prstGeom>
-          <a:noFill/>
-          <a:ln>
-            <a:noFill/>
-          </a:ln>
-        </p:spPr>
-      </p:pic>
-      <p:sp>
-        <p:nvSpPr>
-          <p:cNvPr id="122" name="Google Shape;122;p4"/>
-          <p:cNvSpPr txBox="1"/>
-          <p:nvPr/>
-        </p:nvSpPr>
-        <p:spPr>
-          <a:xfrm>
-            <a:off x="6538933" y="1647172"/>
-            <a:ext cx="1440771" cy="276999"/>
-          </a:xfrm>
-          <a:prstGeom prst="rect">
-            <a:avLst/>
-          </a:prstGeom>
-          <a:noFill/>
-          <a:ln>
-            <a:noFill/>
-          </a:ln>
-        </p:spPr>
-        <p:txBody>
-          <a:bodyPr spcFirstLastPara="1" wrap="square" lIns="91425" tIns="45700" rIns="91425" bIns="45700" anchor="t" anchorCtr="0">
-            <a:spAutoFit/>
-          </a:bodyPr>
-          <a:lstStyle/>
-          <a:p>
-            <a:pPr marL="0" marR="0" lvl="0" indent="0" algn="ctr" rtl="0">
-              <a:spcBef>
-                <a:spcPts val="0"/>
-              </a:spcBef>
-              <a:spcAft>
-                <a:spcPts val="0"/>
-              </a:spcAft>
-              <a:buNone/>
-            </a:pPr>
-            <a:r>
-              <a:rPr lang="es-MX" sz="1200" b="1" i="1">
-                <a:solidFill>
-                  <a:srgbClr val="7030A0"/>
-                </a:solidFill>
-                <a:latin typeface="Calibri"/>
-                <a:ea typeface="Calibri"/>
-                <a:cs typeface="Calibri"/>
-                <a:sym typeface="Calibri"/>
-              </a:rPr>
-              <a:t>Redes Neuronales</a:t>
-            </a:r>
-            <a:endParaRPr/>
-          </a:p>
-        </p:txBody>
-      </p:sp>
-      <p:sp>
-        <p:nvSpPr>
-          <p:cNvPr id="123" name="Google Shape;123;p4"/>
-          <p:cNvSpPr/>
-          <p:nvPr/>
-        </p:nvSpPr>
-        <p:spPr>
-          <a:xfrm>
-            <a:off x="4414544" y="2059786"/>
-            <a:ext cx="1735766" cy="439232"/>
-          </a:xfrm>
-          <a:prstGeom prst="rect">
-            <a:avLst/>
-          </a:prstGeom>
-          <a:solidFill>
-            <a:srgbClr val="FF6699"/>
-          </a:solidFill>
-          <a:ln>
-            <a:noFill/>
-          </a:ln>
-        </p:spPr>
-        <p:txBody>
-          <a:bodyPr spcFirstLastPara="1" wrap="square" lIns="91425" tIns="45700" rIns="91425" bIns="45700" anchor="ctr" anchorCtr="0">
-            <a:noAutofit/>
-          </a:bodyPr>
-          <a:lstStyle/>
-          <a:p>
-            <a:pPr marL="0" marR="0" lvl="0" indent="0" algn="ctr" rtl="0">
-              <a:spcBef>
-                <a:spcPts val="0"/>
-              </a:spcBef>
-              <a:spcAft>
-                <a:spcPts val="0"/>
-              </a:spcAft>
-              <a:buNone/>
-            </a:pPr>
-            <a:r>
-              <a:rPr lang="es-MX" sz="900" b="1" dirty="0">
-                <a:solidFill>
-                  <a:srgbClr val="FFFFFF"/>
-                </a:solidFill>
-                <a:latin typeface="Calibri"/>
-                <a:ea typeface="Calibri"/>
-                <a:cs typeface="Calibri"/>
-                <a:sym typeface="Calibri"/>
-              </a:rPr>
-              <a:t>Verificación de supuesto de </a:t>
-            </a:r>
-            <a:r>
-              <a:rPr lang="es-MX" sz="900" b="1" dirty="0" err="1">
-                <a:solidFill>
-                  <a:srgbClr val="FFFFFF"/>
-                </a:solidFill>
-                <a:latin typeface="Calibri"/>
-                <a:ea typeface="Calibri"/>
-                <a:cs typeface="Calibri"/>
-                <a:sym typeface="Calibri"/>
-              </a:rPr>
-              <a:t>estacioneriedad</a:t>
-            </a:r>
-            <a:r>
-              <a:rPr lang="es-MX" sz="900" b="1" dirty="0">
-                <a:solidFill>
-                  <a:srgbClr val="FFFFFF"/>
-                </a:solidFill>
-                <a:latin typeface="Calibri"/>
-                <a:ea typeface="Calibri"/>
-                <a:cs typeface="Calibri"/>
-                <a:sym typeface="Calibri"/>
-              </a:rPr>
-              <a:t> para aplicación de modelo</a:t>
-            </a:r>
-            <a:endParaRPr dirty="0"/>
-          </a:p>
-        </p:txBody>
-      </p:sp>
-      <p:cxnSp>
-        <p:nvCxnSpPr>
-          <p:cNvPr id="124" name="Google Shape;124;p4"/>
-          <p:cNvCxnSpPr/>
-          <p:nvPr/>
-        </p:nvCxnSpPr>
-        <p:spPr>
-          <a:xfrm>
-            <a:off x="5302091" y="2554466"/>
-            <a:ext cx="1" cy="135785"/>
-          </a:xfrm>
-          <a:prstGeom prst="straightConnector1">
-            <a:avLst/>
-          </a:prstGeom>
-          <a:noFill/>
-          <a:ln w="12700" cap="flat" cmpd="sng">
-            <a:solidFill>
-              <a:schemeClr val="dk1"/>
-            </a:solidFill>
-            <a:prstDash val="solid"/>
-            <a:round/>
-            <a:headEnd type="none" w="sm" len="sm"/>
-            <a:tailEnd type="triangle" w="med" len="med"/>
-          </a:ln>
-        </p:spPr>
-      </p:cxnSp>
-      <p:sp>
-        <p:nvSpPr>
-          <p:cNvPr id="125" name="Google Shape;125;p4"/>
-          <p:cNvSpPr/>
-          <p:nvPr/>
-        </p:nvSpPr>
-        <p:spPr>
-          <a:xfrm>
-            <a:off x="4414544" y="2745918"/>
-            <a:ext cx="1735766" cy="439232"/>
-          </a:xfrm>
-          <a:prstGeom prst="rect">
-            <a:avLst/>
-          </a:prstGeom>
-          <a:solidFill>
-            <a:srgbClr val="FF6699"/>
-          </a:solidFill>
-          <a:ln>
-            <a:noFill/>
-          </a:ln>
-        </p:spPr>
-        <p:txBody>
-          <a:bodyPr spcFirstLastPara="1" wrap="square" lIns="91425" tIns="45700" rIns="91425" bIns="45700" anchor="ctr" anchorCtr="0">
-            <a:noAutofit/>
-          </a:bodyPr>
-          <a:lstStyle/>
-          <a:p>
-            <a:pPr marL="0" marR="0" lvl="0" indent="0" algn="ctr" rtl="0">
-              <a:spcBef>
-                <a:spcPts val="0"/>
-              </a:spcBef>
-              <a:spcAft>
-                <a:spcPts val="0"/>
-              </a:spcAft>
-              <a:buNone/>
-            </a:pPr>
-            <a:endParaRPr sz="900" b="1">
-              <a:solidFill>
-                <a:srgbClr val="FFFFFF"/>
-              </a:solidFill>
-              <a:latin typeface="Calibri"/>
-              <a:ea typeface="Calibri"/>
-              <a:cs typeface="Calibri"/>
-              <a:sym typeface="Calibri"/>
-            </a:endParaRPr>
-          </a:p>
-          <a:p>
-            <a:pPr marL="0" marR="0" lvl="0" indent="0" algn="ctr" rtl="0">
-              <a:spcBef>
-                <a:spcPts val="0"/>
-              </a:spcBef>
-              <a:spcAft>
-                <a:spcPts val="0"/>
-              </a:spcAft>
-              <a:buNone/>
-            </a:pPr>
-            <a:r>
-              <a:rPr lang="es-MX" sz="900" b="1">
-                <a:solidFill>
-                  <a:srgbClr val="FFFFFF"/>
-                </a:solidFill>
-                <a:latin typeface="Calibri"/>
-                <a:ea typeface="Calibri"/>
-                <a:cs typeface="Calibri"/>
-                <a:sym typeface="Calibri"/>
-              </a:rPr>
-              <a:t>Identificación de modelo de series a usar en cada caso (ARIMA, SARIMA)</a:t>
-            </a:r>
-            <a:endParaRPr/>
-          </a:p>
-          <a:p>
-            <a:pPr marL="0" marR="0" lvl="0" indent="0" algn="ctr" rtl="0">
-              <a:spcBef>
-                <a:spcPts val="0"/>
-              </a:spcBef>
-              <a:spcAft>
-                <a:spcPts val="0"/>
-              </a:spcAft>
-              <a:buNone/>
-            </a:pPr>
-            <a:endParaRPr sz="900" b="1">
-              <a:solidFill>
-                <a:srgbClr val="FFFFFF"/>
-              </a:solidFill>
-              <a:latin typeface="Calibri"/>
-              <a:ea typeface="Calibri"/>
-              <a:cs typeface="Calibri"/>
-              <a:sym typeface="Calibri"/>
-            </a:endParaRPr>
-          </a:p>
-        </p:txBody>
-      </p:sp>
-      <p:sp>
-        <p:nvSpPr>
-          <p:cNvPr id="126" name="Google Shape;126;p4"/>
-          <p:cNvSpPr/>
-          <p:nvPr/>
-        </p:nvSpPr>
-        <p:spPr>
-          <a:xfrm>
-            <a:off x="4414544" y="3435793"/>
-            <a:ext cx="1735800" cy="439200"/>
-          </a:xfrm>
-          <a:prstGeom prst="rect">
-            <a:avLst/>
-          </a:prstGeom>
-          <a:solidFill>
-            <a:srgbClr val="FF6699"/>
-          </a:solidFill>
-          <a:ln>
-            <a:noFill/>
-          </a:ln>
-        </p:spPr>
-        <p:txBody>
-          <a:bodyPr spcFirstLastPara="1" wrap="square" lIns="91425" tIns="45700" rIns="91425" bIns="45700" anchor="ctr" anchorCtr="0">
-            <a:noAutofit/>
-          </a:bodyPr>
-          <a:lstStyle/>
-          <a:p>
-            <a:pPr marL="0" marR="0" lvl="0" indent="0" algn="ctr" rtl="0">
-              <a:spcBef>
-                <a:spcPts val="0"/>
-              </a:spcBef>
-              <a:spcAft>
-                <a:spcPts val="0"/>
-              </a:spcAft>
-              <a:buNone/>
-            </a:pPr>
-            <a:endParaRPr sz="900" b="1">
-              <a:solidFill>
-                <a:srgbClr val="FFFFFF"/>
-              </a:solidFill>
-              <a:latin typeface="Calibri"/>
-              <a:ea typeface="Calibri"/>
-              <a:cs typeface="Calibri"/>
-              <a:sym typeface="Calibri"/>
-            </a:endParaRPr>
-          </a:p>
-          <a:p>
-            <a:pPr marL="0" marR="0" lvl="0" indent="0" algn="ctr" rtl="0">
-              <a:spcBef>
-                <a:spcPts val="0"/>
-              </a:spcBef>
-              <a:spcAft>
-                <a:spcPts val="0"/>
-              </a:spcAft>
-              <a:buNone/>
-            </a:pPr>
-            <a:r>
-              <a:rPr lang="es-MX" sz="900" b="1">
-                <a:solidFill>
-                  <a:srgbClr val="FFFFFF"/>
-                </a:solidFill>
-                <a:latin typeface="Calibri"/>
-                <a:ea typeface="Calibri"/>
-                <a:cs typeface="Calibri"/>
-                <a:sym typeface="Calibri"/>
-              </a:rPr>
-              <a:t>Aplicación de modelos seleccionados y cuantificación de error</a:t>
-            </a:r>
-            <a:endParaRPr/>
-          </a:p>
-          <a:p>
-            <a:pPr marL="0" marR="0" lvl="0" indent="0" algn="ctr" rtl="0">
-              <a:spcBef>
-                <a:spcPts val="0"/>
-              </a:spcBef>
-              <a:spcAft>
-                <a:spcPts val="0"/>
-              </a:spcAft>
-              <a:buNone/>
-            </a:pPr>
-            <a:endParaRPr sz="900" b="1">
-              <a:solidFill>
-                <a:srgbClr val="FFFFFF"/>
-              </a:solidFill>
-              <a:latin typeface="Calibri"/>
-              <a:ea typeface="Calibri"/>
-              <a:cs typeface="Calibri"/>
-              <a:sym typeface="Calibri"/>
-            </a:endParaRPr>
-          </a:p>
-        </p:txBody>
-      </p:sp>
-      <p:cxnSp>
-        <p:nvCxnSpPr>
-          <p:cNvPr id="127" name="Google Shape;127;p4"/>
-          <p:cNvCxnSpPr/>
-          <p:nvPr/>
-        </p:nvCxnSpPr>
-        <p:spPr>
-          <a:xfrm>
-            <a:off x="5302091" y="3255506"/>
-            <a:ext cx="1" cy="135785"/>
-          </a:xfrm>
-          <a:prstGeom prst="straightConnector1">
-            <a:avLst/>
-          </a:prstGeom>
-          <a:noFill/>
-          <a:ln w="12700" cap="flat" cmpd="sng">
-            <a:solidFill>
-              <a:schemeClr val="dk1"/>
-            </a:solidFill>
-            <a:prstDash val="solid"/>
-            <a:round/>
-            <a:headEnd type="none" w="sm" len="sm"/>
-            <a:tailEnd type="triangle" w="med" len="med"/>
-          </a:ln>
-        </p:spPr>
-      </p:cxnSp>
-      <p:sp>
-        <p:nvSpPr>
-          <p:cNvPr id="128" name="Google Shape;128;p4"/>
-          <p:cNvSpPr/>
-          <p:nvPr/>
-        </p:nvSpPr>
-        <p:spPr>
-          <a:xfrm>
-            <a:off x="4414544" y="4131560"/>
-            <a:ext cx="1735766" cy="439232"/>
-          </a:xfrm>
-          <a:prstGeom prst="rect">
-            <a:avLst/>
-          </a:prstGeom>
-          <a:solidFill>
-            <a:srgbClr val="FF6699"/>
-          </a:solidFill>
-          <a:ln>
-            <a:noFill/>
-          </a:ln>
-        </p:spPr>
-        <p:txBody>
-          <a:bodyPr spcFirstLastPara="1" wrap="square" lIns="91425" tIns="45700" rIns="91425" bIns="45700" anchor="ctr" anchorCtr="0">
-            <a:noAutofit/>
-          </a:bodyPr>
-          <a:lstStyle/>
-          <a:p>
-            <a:pPr marL="0" marR="0" lvl="0" indent="0" algn="ctr" rtl="0">
-              <a:spcBef>
-                <a:spcPts val="0"/>
-              </a:spcBef>
-              <a:spcAft>
-                <a:spcPts val="0"/>
-              </a:spcAft>
-              <a:buNone/>
-            </a:pPr>
-            <a:endParaRPr sz="900" b="1">
-              <a:solidFill>
-                <a:srgbClr val="FFFFFF"/>
-              </a:solidFill>
-              <a:latin typeface="Calibri"/>
-              <a:ea typeface="Calibri"/>
-              <a:cs typeface="Calibri"/>
-              <a:sym typeface="Calibri"/>
-            </a:endParaRPr>
-          </a:p>
-          <a:p>
-            <a:pPr marL="0" marR="0" lvl="0" indent="0" algn="ctr" rtl="0">
-              <a:spcBef>
-                <a:spcPts val="0"/>
-              </a:spcBef>
-              <a:spcAft>
-                <a:spcPts val="0"/>
-              </a:spcAft>
-              <a:buNone/>
-            </a:pPr>
-            <a:r>
-              <a:rPr lang="es-MX" sz="900" b="1">
-                <a:solidFill>
-                  <a:srgbClr val="FFFFFF"/>
-                </a:solidFill>
-                <a:latin typeface="Calibri"/>
-                <a:ea typeface="Calibri"/>
-                <a:cs typeface="Calibri"/>
-                <a:sym typeface="Calibri"/>
-              </a:rPr>
-              <a:t>Conclusiones sobre el uso de las series de tiempo para pronóstico de gas</a:t>
-            </a:r>
-            <a:endParaRPr/>
-          </a:p>
-          <a:p>
-            <a:pPr marL="0" marR="0" lvl="0" indent="0" algn="ctr" rtl="0">
-              <a:spcBef>
-                <a:spcPts val="0"/>
-              </a:spcBef>
-              <a:spcAft>
-                <a:spcPts val="0"/>
-              </a:spcAft>
-              <a:buNone/>
-            </a:pPr>
-            <a:endParaRPr sz="900" b="1">
-              <a:solidFill>
-                <a:srgbClr val="FFFFFF"/>
-              </a:solidFill>
-              <a:latin typeface="Calibri"/>
-              <a:ea typeface="Calibri"/>
-              <a:cs typeface="Calibri"/>
-              <a:sym typeface="Calibri"/>
-            </a:endParaRPr>
-          </a:p>
-        </p:txBody>
-      </p:sp>
-      <p:cxnSp>
-        <p:nvCxnSpPr>
-          <p:cNvPr id="129" name="Google Shape;129;p4"/>
-          <p:cNvCxnSpPr/>
-          <p:nvPr/>
-        </p:nvCxnSpPr>
-        <p:spPr>
-          <a:xfrm>
-            <a:off x="5302091" y="3952112"/>
-            <a:ext cx="1" cy="135785"/>
-          </a:xfrm>
-          <a:prstGeom prst="straightConnector1">
-            <a:avLst/>
-          </a:prstGeom>
-          <a:noFill/>
-          <a:ln w="12700" cap="flat" cmpd="sng">
-            <a:solidFill>
-              <a:schemeClr val="dk1"/>
-            </a:solidFill>
-            <a:prstDash val="solid"/>
-            <a:round/>
-            <a:headEnd type="none" w="sm" len="sm"/>
-            <a:tailEnd type="triangle" w="med" len="med"/>
-          </a:ln>
-        </p:spPr>
-      </p:cxnSp>
-      <p:sp>
-        <p:nvSpPr>
-          <p:cNvPr id="130" name="Google Shape;130;p4"/>
-          <p:cNvSpPr/>
-          <p:nvPr/>
-        </p:nvSpPr>
-        <p:spPr>
-          <a:xfrm>
-            <a:off x="6564098" y="2069514"/>
-            <a:ext cx="1735766" cy="439232"/>
-          </a:xfrm>
-          <a:prstGeom prst="rect">
-            <a:avLst/>
-          </a:prstGeom>
-          <a:solidFill>
-            <a:srgbClr val="B07BD7"/>
-          </a:solidFill>
-          <a:ln>
-            <a:noFill/>
-          </a:ln>
-        </p:spPr>
-        <p:txBody>
-          <a:bodyPr spcFirstLastPara="1" wrap="square" lIns="91425" tIns="45700" rIns="91425" bIns="45700" anchor="ctr" anchorCtr="0">
-            <a:noAutofit/>
-          </a:bodyPr>
-          <a:lstStyle/>
-          <a:p>
-            <a:pPr marL="0" marR="0" lvl="0" indent="0" algn="ctr" rtl="0">
-              <a:spcBef>
-                <a:spcPts val="0"/>
-              </a:spcBef>
-              <a:spcAft>
-                <a:spcPts val="0"/>
-              </a:spcAft>
-              <a:buNone/>
-            </a:pPr>
-            <a:r>
-              <a:rPr lang="es-MX" sz="900" b="1" dirty="0">
-                <a:solidFill>
-                  <a:srgbClr val="FFFFFF"/>
-                </a:solidFill>
-                <a:latin typeface="Calibri"/>
-                <a:ea typeface="Calibri"/>
-                <a:cs typeface="Calibri"/>
-                <a:sym typeface="Calibri"/>
-              </a:rPr>
-              <a:t>Selección de variables relevantes para incluir en la Red Neuronal</a:t>
-            </a:r>
-            <a:endParaRPr dirty="0"/>
-          </a:p>
-        </p:txBody>
-      </p:sp>
-      <p:cxnSp>
-        <p:nvCxnSpPr>
-          <p:cNvPr id="131" name="Google Shape;131;p4"/>
-          <p:cNvCxnSpPr/>
-          <p:nvPr/>
-        </p:nvCxnSpPr>
-        <p:spPr>
-          <a:xfrm>
-            <a:off x="7470878" y="2554466"/>
-            <a:ext cx="1" cy="135785"/>
-          </a:xfrm>
-          <a:prstGeom prst="straightConnector1">
-            <a:avLst/>
-          </a:prstGeom>
-          <a:noFill/>
-          <a:ln w="12700" cap="flat" cmpd="sng">
-            <a:solidFill>
-              <a:schemeClr val="dk1"/>
-            </a:solidFill>
-            <a:prstDash val="solid"/>
-            <a:round/>
-            <a:headEnd type="none" w="sm" len="sm"/>
-            <a:tailEnd type="triangle" w="med" len="med"/>
-          </a:ln>
-        </p:spPr>
-      </p:cxnSp>
-      <p:sp>
-        <p:nvSpPr>
-          <p:cNvPr id="132" name="Google Shape;132;p4"/>
-          <p:cNvSpPr/>
-          <p:nvPr/>
-        </p:nvSpPr>
-        <p:spPr>
-          <a:xfrm>
-            <a:off x="6564098" y="2755646"/>
-            <a:ext cx="1735766" cy="439232"/>
-          </a:xfrm>
-          <a:prstGeom prst="rect">
-            <a:avLst/>
-          </a:prstGeom>
-          <a:solidFill>
-            <a:srgbClr val="B07BD7"/>
-          </a:solidFill>
-          <a:ln>
-            <a:noFill/>
-          </a:ln>
-        </p:spPr>
-        <p:txBody>
-          <a:bodyPr spcFirstLastPara="1" wrap="square" lIns="91425" tIns="45700" rIns="91425" bIns="45700" anchor="ctr" anchorCtr="0">
-            <a:noAutofit/>
-          </a:bodyPr>
-          <a:lstStyle/>
-          <a:p>
-            <a:pPr marL="0" marR="0" lvl="0" indent="0" algn="ctr" rtl="0">
-              <a:spcBef>
-                <a:spcPts val="0"/>
-              </a:spcBef>
-              <a:spcAft>
-                <a:spcPts val="0"/>
-              </a:spcAft>
-              <a:buNone/>
-            </a:pPr>
-            <a:endParaRPr sz="900" b="1">
-              <a:solidFill>
-                <a:srgbClr val="FFFFFF"/>
-              </a:solidFill>
-              <a:latin typeface="Calibri"/>
-              <a:ea typeface="Calibri"/>
-              <a:cs typeface="Calibri"/>
-              <a:sym typeface="Calibri"/>
-            </a:endParaRPr>
-          </a:p>
-          <a:p>
-            <a:pPr marL="0" marR="0" lvl="0" indent="0" algn="ctr" rtl="0">
-              <a:spcBef>
-                <a:spcPts val="0"/>
-              </a:spcBef>
-              <a:spcAft>
-                <a:spcPts val="0"/>
-              </a:spcAft>
-              <a:buNone/>
-            </a:pPr>
-            <a:r>
-              <a:rPr lang="es-MX" sz="900" b="1">
-                <a:solidFill>
-                  <a:srgbClr val="FFFFFF"/>
-                </a:solidFill>
-                <a:latin typeface="Calibri"/>
-                <a:ea typeface="Calibri"/>
-                <a:cs typeface="Calibri"/>
-                <a:sym typeface="Calibri"/>
-              </a:rPr>
-              <a:t>Identificación de modelo de redes a usar en cada caso (RNN, LSTM)</a:t>
-            </a:r>
-            <a:endParaRPr/>
-          </a:p>
-          <a:p>
-            <a:pPr marL="0" marR="0" lvl="0" indent="0" algn="ctr" rtl="0">
-              <a:spcBef>
-                <a:spcPts val="0"/>
-              </a:spcBef>
-              <a:spcAft>
-                <a:spcPts val="0"/>
-              </a:spcAft>
-              <a:buNone/>
-            </a:pPr>
-            <a:endParaRPr sz="900" b="1">
-              <a:solidFill>
-                <a:srgbClr val="FFFFFF"/>
-              </a:solidFill>
-              <a:latin typeface="Calibri"/>
-              <a:ea typeface="Calibri"/>
-              <a:cs typeface="Calibri"/>
-              <a:sym typeface="Calibri"/>
-            </a:endParaRPr>
-          </a:p>
-        </p:txBody>
-      </p:sp>
-      <p:sp>
-        <p:nvSpPr>
-          <p:cNvPr id="133" name="Google Shape;133;p4"/>
-          <p:cNvSpPr/>
-          <p:nvPr/>
-        </p:nvSpPr>
-        <p:spPr>
-          <a:xfrm>
-            <a:off x="6564098" y="3445521"/>
-            <a:ext cx="1735766" cy="439232"/>
-          </a:xfrm>
-          <a:prstGeom prst="rect">
-            <a:avLst/>
-          </a:prstGeom>
-          <a:solidFill>
-            <a:srgbClr val="B07BD7"/>
-          </a:solidFill>
-          <a:ln>
-            <a:noFill/>
-          </a:ln>
-        </p:spPr>
-        <p:txBody>
-          <a:bodyPr spcFirstLastPara="1" wrap="square" lIns="91425" tIns="45700" rIns="91425" bIns="45700" anchor="ctr" anchorCtr="0">
-            <a:noAutofit/>
-          </a:bodyPr>
-          <a:lstStyle/>
-          <a:p>
-            <a:pPr marL="0" marR="0" lvl="0" indent="0" algn="ctr" rtl="0">
-              <a:spcBef>
-                <a:spcPts val="0"/>
-              </a:spcBef>
-              <a:spcAft>
-                <a:spcPts val="0"/>
-              </a:spcAft>
-              <a:buNone/>
-            </a:pPr>
-            <a:endParaRPr sz="900" b="1">
-              <a:solidFill>
-                <a:srgbClr val="FFFFFF"/>
-              </a:solidFill>
-              <a:latin typeface="Calibri"/>
-              <a:ea typeface="Calibri"/>
-              <a:cs typeface="Calibri"/>
-              <a:sym typeface="Calibri"/>
-            </a:endParaRPr>
-          </a:p>
-          <a:p>
-            <a:pPr marL="0" marR="0" lvl="0" indent="0" algn="ctr" rtl="0">
-              <a:spcBef>
-                <a:spcPts val="0"/>
-              </a:spcBef>
-              <a:spcAft>
-                <a:spcPts val="0"/>
-              </a:spcAft>
-              <a:buNone/>
-            </a:pPr>
-            <a:r>
-              <a:rPr lang="es-MX" sz="900" b="1">
-                <a:solidFill>
-                  <a:srgbClr val="FFFFFF"/>
-                </a:solidFill>
-                <a:latin typeface="Calibri"/>
-                <a:ea typeface="Calibri"/>
-                <a:cs typeface="Calibri"/>
-                <a:sym typeface="Calibri"/>
-              </a:rPr>
-              <a:t>Aplicación de modelos seleccionados y cuantificación de error</a:t>
-            </a:r>
-            <a:endParaRPr/>
-          </a:p>
-          <a:p>
-            <a:pPr marL="0" marR="0" lvl="0" indent="0" algn="ctr" rtl="0">
-              <a:spcBef>
-                <a:spcPts val="0"/>
-              </a:spcBef>
-              <a:spcAft>
-                <a:spcPts val="0"/>
-              </a:spcAft>
-              <a:buNone/>
-            </a:pPr>
-            <a:endParaRPr sz="900" b="1">
-              <a:solidFill>
-                <a:srgbClr val="FFFFFF"/>
-              </a:solidFill>
-              <a:latin typeface="Calibri"/>
-              <a:ea typeface="Calibri"/>
-              <a:cs typeface="Calibri"/>
-              <a:sym typeface="Calibri"/>
-            </a:endParaRPr>
-          </a:p>
-        </p:txBody>
-      </p:sp>
-      <p:cxnSp>
-        <p:nvCxnSpPr>
-          <p:cNvPr id="134" name="Google Shape;134;p4"/>
-          <p:cNvCxnSpPr/>
-          <p:nvPr/>
-        </p:nvCxnSpPr>
-        <p:spPr>
-          <a:xfrm>
-            <a:off x="7470878" y="3255506"/>
-            <a:ext cx="1" cy="135785"/>
-          </a:xfrm>
-          <a:prstGeom prst="straightConnector1">
-            <a:avLst/>
-          </a:prstGeom>
-          <a:noFill/>
-          <a:ln w="12700" cap="flat" cmpd="sng">
-            <a:solidFill>
-              <a:schemeClr val="dk1"/>
-            </a:solidFill>
-            <a:prstDash val="solid"/>
-            <a:round/>
-            <a:headEnd type="none" w="sm" len="sm"/>
-            <a:tailEnd type="triangle" w="med" len="med"/>
-          </a:ln>
-        </p:spPr>
-      </p:cxnSp>
-      <p:sp>
-        <p:nvSpPr>
-          <p:cNvPr id="135" name="Google Shape;135;p4"/>
-          <p:cNvSpPr/>
-          <p:nvPr/>
-        </p:nvSpPr>
-        <p:spPr>
-          <a:xfrm>
-            <a:off x="6563666" y="4141288"/>
-            <a:ext cx="1735766" cy="439232"/>
-          </a:xfrm>
-          <a:prstGeom prst="rect">
-            <a:avLst/>
-          </a:prstGeom>
-          <a:solidFill>
-            <a:srgbClr val="B07BD7"/>
-          </a:solidFill>
-          <a:ln>
-            <a:noFill/>
-          </a:ln>
-        </p:spPr>
-        <p:txBody>
-          <a:bodyPr spcFirstLastPara="1" wrap="square" lIns="91425" tIns="45700" rIns="91425" bIns="45700" anchor="ctr" anchorCtr="0">
-            <a:noAutofit/>
-          </a:bodyPr>
-          <a:lstStyle/>
-          <a:p>
-            <a:pPr marL="0" marR="0" lvl="0" indent="0" algn="ctr" rtl="0">
-              <a:spcBef>
-                <a:spcPts val="0"/>
-              </a:spcBef>
-              <a:spcAft>
-                <a:spcPts val="0"/>
-              </a:spcAft>
-              <a:buNone/>
-            </a:pPr>
-            <a:endParaRPr sz="900" b="1">
-              <a:solidFill>
-                <a:srgbClr val="FFFFFF"/>
-              </a:solidFill>
-              <a:latin typeface="Calibri"/>
-              <a:ea typeface="Calibri"/>
-              <a:cs typeface="Calibri"/>
-              <a:sym typeface="Calibri"/>
-            </a:endParaRPr>
-          </a:p>
-          <a:p>
-            <a:pPr marL="0" marR="0" lvl="0" indent="0" algn="ctr" rtl="0">
-              <a:spcBef>
-                <a:spcPts val="0"/>
-              </a:spcBef>
-              <a:spcAft>
-                <a:spcPts val="0"/>
-              </a:spcAft>
-              <a:buNone/>
-            </a:pPr>
-            <a:r>
-              <a:rPr lang="es-MX" sz="900" b="1">
-                <a:solidFill>
-                  <a:srgbClr val="FFFFFF"/>
-                </a:solidFill>
-                <a:latin typeface="Calibri"/>
-                <a:ea typeface="Calibri"/>
-                <a:cs typeface="Calibri"/>
-                <a:sym typeface="Calibri"/>
-              </a:rPr>
-              <a:t>Conclusiones sobre el uso de las series de tiempo para pronóstico de gas</a:t>
-            </a:r>
-            <a:endParaRPr/>
-          </a:p>
-          <a:p>
-            <a:pPr marL="0" marR="0" lvl="0" indent="0" algn="ctr" rtl="0">
-              <a:spcBef>
-                <a:spcPts val="0"/>
-              </a:spcBef>
-              <a:spcAft>
-                <a:spcPts val="0"/>
-              </a:spcAft>
-              <a:buNone/>
-            </a:pPr>
-            <a:endParaRPr sz="900" b="1">
-              <a:solidFill>
-                <a:srgbClr val="FFFFFF"/>
-              </a:solidFill>
-              <a:latin typeface="Calibri"/>
-              <a:ea typeface="Calibri"/>
-              <a:cs typeface="Calibri"/>
-              <a:sym typeface="Calibri"/>
-            </a:endParaRPr>
-          </a:p>
-        </p:txBody>
-      </p:sp>
-      <p:cxnSp>
-        <p:nvCxnSpPr>
-          <p:cNvPr id="136" name="Google Shape;136;p4"/>
-          <p:cNvCxnSpPr/>
-          <p:nvPr/>
-        </p:nvCxnSpPr>
-        <p:spPr>
-          <a:xfrm>
-            <a:off x="7431548" y="3952112"/>
-            <a:ext cx="1" cy="135785"/>
-          </a:xfrm>
-          <a:prstGeom prst="straightConnector1">
-            <a:avLst/>
-          </a:prstGeom>
-          <a:noFill/>
-          <a:ln w="12700" cap="flat" cmpd="sng">
-            <a:solidFill>
-              <a:schemeClr val="dk1"/>
-            </a:solidFill>
-            <a:prstDash val="solid"/>
-            <a:round/>
-            <a:headEnd type="none" w="sm" len="sm"/>
-            <a:tailEnd type="triangle" w="med" len="med"/>
-          </a:ln>
-        </p:spPr>
-      </p:cxnSp>
-      <p:sp>
-        <p:nvSpPr>
-          <p:cNvPr id="137" name="Google Shape;137;p4"/>
-          <p:cNvSpPr txBox="1"/>
-          <p:nvPr/>
-        </p:nvSpPr>
-        <p:spPr>
-          <a:xfrm>
-            <a:off x="10059653" y="2604179"/>
-            <a:ext cx="1683600" cy="646500"/>
-          </a:xfrm>
-          <a:prstGeom prst="rect">
-            <a:avLst/>
-          </a:prstGeom>
-          <a:noFill/>
-          <a:ln>
-            <a:noFill/>
-          </a:ln>
-        </p:spPr>
-        <p:txBody>
-          <a:bodyPr spcFirstLastPara="1" wrap="square" lIns="91425" tIns="45700" rIns="91425" bIns="45700" anchor="t" anchorCtr="0">
-            <a:spAutoFit/>
-          </a:bodyPr>
-          <a:lstStyle/>
-          <a:p>
-            <a:pPr marL="0" marR="0" lvl="0" indent="0" algn="l" rtl="0">
-              <a:spcBef>
-                <a:spcPts val="0"/>
-              </a:spcBef>
-              <a:spcAft>
-                <a:spcPts val="0"/>
-              </a:spcAft>
-              <a:buNone/>
-            </a:pPr>
-            <a:r>
-              <a:rPr lang="es-MX" sz="1200">
-                <a:solidFill>
-                  <a:schemeClr val="dk1"/>
-                </a:solidFill>
-                <a:latin typeface="Calibri"/>
-                <a:ea typeface="Calibri"/>
-                <a:cs typeface="Calibri"/>
-                <a:sym typeface="Calibri"/>
-              </a:rPr>
-              <a:t>Comparación de modelos y conclusiones generales </a:t>
-            </a:r>
-            <a:endParaRPr/>
-          </a:p>
-        </p:txBody>
-      </p:sp>
-      <p:pic>
-        <p:nvPicPr>
-          <p:cNvPr id="138" name="Google Shape;138;p4" descr="Darts: Time Series Made Easy in Python - Unit8"/>
-          <p:cNvPicPr preferRelativeResize="0"/>
-          <p:nvPr/>
-        </p:nvPicPr>
-        <p:blipFill rotWithShape="1">
-          <a:blip r:embed="rId5">
-            <a:alphaModFix/>
-          </a:blip>
-          <a:srcRect/>
-          <a:stretch/>
-        </p:blipFill>
-        <p:spPr>
-          <a:xfrm>
-            <a:off x="4645187" y="4691122"/>
-            <a:ext cx="1199209" cy="798330"/>
-          </a:xfrm>
-          <a:prstGeom prst="rect">
-            <a:avLst/>
-          </a:prstGeom>
-          <a:noFill/>
-          <a:ln>
-            <a:noFill/>
-          </a:ln>
-        </p:spPr>
-      </p:pic>
-      <p:pic>
-        <p:nvPicPr>
-          <p:cNvPr id="139" name="Google Shape;139;p4" descr="Time Series Prediction Using LSTM Deep Neural Networks"/>
-          <p:cNvPicPr preferRelativeResize="0"/>
-          <p:nvPr/>
-        </p:nvPicPr>
-        <p:blipFill rotWithShape="1">
-          <a:blip r:embed="rId6">
-            <a:alphaModFix/>
-          </a:blip>
-          <a:srcRect/>
-          <a:stretch/>
-        </p:blipFill>
-        <p:spPr>
-          <a:xfrm>
-            <a:off x="6833815" y="4725850"/>
-            <a:ext cx="1118950" cy="735195"/>
-          </a:xfrm>
-          <a:prstGeom prst="rect">
-            <a:avLst/>
-          </a:prstGeom>
-          <a:noFill/>
-          <a:ln>
-            <a:noFill/>
-          </a:ln>
-        </p:spPr>
-      </p:pic>
-      <p:pic>
-        <p:nvPicPr>
-          <p:cNvPr id="140" name="Google Shape;140;p4" descr="Gear Icon 5939884"/>
-          <p:cNvPicPr preferRelativeResize="0"/>
-          <p:nvPr/>
-        </p:nvPicPr>
-        <p:blipFill rotWithShape="1">
-          <a:blip r:embed="rId7">
-            <a:alphaModFix/>
-          </a:blip>
-          <a:srcRect l="22729" t="18850" r="12754" b="19527"/>
-          <a:stretch/>
-        </p:blipFill>
-        <p:spPr>
-          <a:xfrm>
-            <a:off x="493846" y="4137710"/>
-            <a:ext cx="450705" cy="430470"/>
-          </a:xfrm>
-          <a:prstGeom prst="rect">
-            <a:avLst/>
-          </a:prstGeom>
-          <a:noFill/>
-          <a:ln>
-            <a:noFill/>
-          </a:ln>
-        </p:spPr>
-      </p:pic>
-      <p:pic>
-        <p:nvPicPr>
-          <p:cNvPr id="141" name="Google Shape;141;p4"/>
-          <p:cNvPicPr preferRelativeResize="0"/>
-          <p:nvPr/>
-        </p:nvPicPr>
-        <p:blipFill rotWithShape="1">
-          <a:blip r:embed="rId8">
-            <a:alphaModFix/>
-          </a:blip>
-          <a:srcRect l="18798" t="18840" r="12240" b="22005"/>
-          <a:stretch/>
-        </p:blipFill>
-        <p:spPr>
-          <a:xfrm>
-            <a:off x="9487250" y="2676417"/>
-            <a:ext cx="495775" cy="425271"/>
-          </a:xfrm>
-          <a:prstGeom prst="rect">
-            <a:avLst/>
-          </a:prstGeom>
-          <a:noFill/>
-          <a:ln>
-            <a:noFill/>
-          </a:ln>
-        </p:spPr>
-      </p:pic>
-      <p:sp>
-        <p:nvSpPr>
-          <p:cNvPr id="3" name="CuadroTexto 2">
-            <a:extLst>
-              <a:ext uri="{FF2B5EF4-FFF2-40B4-BE49-F238E27FC236}">
-                <a16:creationId xmlns:a16="http://schemas.microsoft.com/office/drawing/2014/main" id="{AEB65875-CE4D-F342-CB19-880C3E40AEA0}"/>
-              </a:ext>
-            </a:extLst>
-          </p:cNvPr>
-          <p:cNvSpPr txBox="1"/>
-          <p:nvPr/>
-        </p:nvSpPr>
-        <p:spPr>
-          <a:xfrm>
-            <a:off x="380514" y="1400220"/>
-            <a:ext cx="3128212" cy="307777"/>
-          </a:xfrm>
-          <a:prstGeom prst="rect">
-            <a:avLst/>
-          </a:prstGeom>
-          <a:noFill/>
-        </p:spPr>
-        <p:txBody>
-          <a:bodyPr wrap="square">
-            <a:spAutoFit/>
-          </a:bodyPr>
-          <a:lstStyle/>
-          <a:p>
-            <a:pPr marL="0" marR="0" lvl="0" indent="0" algn="ctr" rtl="0">
-              <a:spcBef>
-                <a:spcPts val="0"/>
-              </a:spcBef>
-              <a:spcAft>
-                <a:spcPts val="0"/>
-              </a:spcAft>
-              <a:buNone/>
-            </a:pPr>
-            <a:r>
-              <a:rPr lang="es-MX" sz="1400" b="1" dirty="0">
-                <a:solidFill>
-                  <a:schemeClr val="dk1"/>
-                </a:solidFill>
-                <a:latin typeface="Calibri"/>
-                <a:ea typeface="Calibri"/>
-                <a:cs typeface="Calibri"/>
-                <a:sym typeface="Calibri"/>
-              </a:rPr>
-              <a:t>Recolección y limpieza  de Información:</a:t>
-            </a:r>
-            <a:endParaRPr lang="es-MX" dirty="0"/>
-          </a:p>
-        </p:txBody>
-      </p:sp>
-    </p:spTree>
-  </p:cSld>
-  <p:clrMapOvr>
-    <a:masterClrMapping/>
-  </p:clrMapOvr>
-</p:sld>
-</file>
-
-<file path=ppt/slides/slide5.xml><?xml version="1.0" encoding="utf-8"?>
-<p:sld xmlns:a="http://schemas.openxmlformats.org/drawingml/2006/main" xmlns:r="http://schemas.openxmlformats.org/officeDocument/2006/relationships" xmlns:p="http://schemas.openxmlformats.org/presentationml/2006/main">
-  <p:cSld>
     <p:bg>
       <p:bgPr>
         <a:solidFill>
@@ -12186,6 +10154,29 @@
           </a:bodyPr>
           <a:lstStyle/>
           <a:p>
+            <a:pPr>
+              <a:lnSpc>
+                <a:spcPct val="85000"/>
+              </a:lnSpc>
+              <a:buClr>
+                <a:srgbClr val="0070C0"/>
+              </a:buClr>
+              <a:buSzPts val="4000"/>
+            </a:pPr>
+            <a:r>
+              <a:rPr lang="es-MX" sz="4000" b="1" dirty="0">
+                <a:solidFill>
+                  <a:schemeClr val="bg2">
+                    <a:lumMod val="50000"/>
+                  </a:schemeClr>
+                </a:solidFill>
+                <a:latin typeface="Calibri"/>
+                <a:cs typeface="Calibri"/>
+              </a:rPr>
+              <a:t>El problema (contexto)</a:t>
+            </a:r>
+          </a:p>
+          <a:p>
             <a:pPr marL="0" marR="0" lvl="0" indent="0" algn="l" rtl="0">
               <a:lnSpc>
                 <a:spcPct val="85000"/>
@@ -12215,7 +10206,7 @@
                 <a:cs typeface="Calibri"/>
                 <a:sym typeface="Calibri"/>
               </a:rPr>
-              <a:t>Justificación del proyecto </a:t>
+              <a:t> </a:t>
             </a:r>
             <a:endParaRPr dirty="0">
               <a:solidFill>
@@ -12681,6 +10672,2039 @@
               <a:latin typeface="Calibri Light" panose="020F0302020204030204" pitchFamily="34" charset="0"/>
               <a:cs typeface="Calibri Light" panose="020F0302020204030204" pitchFamily="34" charset="0"/>
             </a:endParaRPr>
+          </a:p>
+        </p:txBody>
+      </p:sp>
+    </p:spTree>
+  </p:cSld>
+  <p:clrMapOvr>
+    <a:masterClrMapping/>
+  </p:clrMapOvr>
+</p:sld>
+</file>
+
+<file path=ppt/slides/slide5.xml><?xml version="1.0" encoding="utf-8"?>
+<p:sld xmlns:a="http://schemas.openxmlformats.org/drawingml/2006/main" xmlns:r="http://schemas.openxmlformats.org/officeDocument/2006/relationships" xmlns:p="http://schemas.openxmlformats.org/presentationml/2006/main">
+  <p:cSld>
+    <p:spTree>
+      <p:nvGrpSpPr>
+        <p:cNvPr id="1" name="Shape 110"/>
+        <p:cNvGrpSpPr/>
+        <p:nvPr/>
+      </p:nvGrpSpPr>
+      <p:grpSpPr>
+        <a:xfrm>
+          <a:off x="0" y="0"/>
+          <a:ext cx="0" cy="0"/>
+          <a:chOff x="0" y="0"/>
+          <a:chExt cx="0" cy="0"/>
+        </a:xfrm>
+      </p:grpSpPr>
+      <p:sp>
+        <p:nvSpPr>
+          <p:cNvPr id="111" name="Google Shape;111;p4"/>
+          <p:cNvSpPr txBox="1"/>
+          <p:nvPr/>
+        </p:nvSpPr>
+        <p:spPr>
+          <a:xfrm>
+            <a:off x="510558" y="196996"/>
+            <a:ext cx="11658658" cy="1007542"/>
+          </a:xfrm>
+          <a:prstGeom prst="rect">
+            <a:avLst/>
+          </a:prstGeom>
+          <a:noFill/>
+          <a:ln>
+            <a:noFill/>
+          </a:ln>
+        </p:spPr>
+        <p:txBody>
+          <a:bodyPr spcFirstLastPara="1" wrap="square" lIns="91425" tIns="45700" rIns="91425" bIns="45700" anchor="t" anchorCtr="0">
+            <a:noAutofit/>
+          </a:bodyPr>
+          <a:lstStyle/>
+          <a:p>
+            <a:pPr>
+              <a:lnSpc>
+                <a:spcPct val="85000"/>
+              </a:lnSpc>
+              <a:buClr>
+                <a:schemeClr val="accent1"/>
+              </a:buClr>
+              <a:buSzPts val="3200"/>
+            </a:pPr>
+            <a:r>
+              <a:rPr lang="es-MX" sz="3200" b="1" dirty="0">
+                <a:solidFill>
+                  <a:schemeClr val="accent1"/>
+                </a:solidFill>
+                <a:latin typeface="Calibri"/>
+                <a:cs typeface="Calibri"/>
+                <a:sym typeface="Calibri"/>
+              </a:rPr>
+              <a:t>Flujo de trabajo y descripción del proyecto</a:t>
+            </a:r>
+            <a:endParaRPr sz="3200" b="1" dirty="0">
+              <a:solidFill>
+                <a:schemeClr val="accent1"/>
+              </a:solidFill>
+              <a:latin typeface="Calibri"/>
+              <a:ea typeface="Calibri"/>
+              <a:cs typeface="Calibri"/>
+              <a:sym typeface="Calibri"/>
+            </a:endParaRPr>
+          </a:p>
+        </p:txBody>
+      </p:sp>
+      <p:sp>
+        <p:nvSpPr>
+          <p:cNvPr id="112" name="Google Shape;112;p4"/>
+          <p:cNvSpPr/>
+          <p:nvPr/>
+        </p:nvSpPr>
+        <p:spPr>
+          <a:xfrm>
+            <a:off x="423884" y="5492503"/>
+            <a:ext cx="11311936" cy="199059"/>
+          </a:xfrm>
+          <a:prstGeom prst="rect">
+            <a:avLst/>
+          </a:prstGeom>
+          <a:solidFill>
+            <a:srgbClr val="8FA1CF"/>
+          </a:solidFill>
+          <a:ln w="9525" cap="flat" cmpd="sng">
+            <a:solidFill>
+              <a:srgbClr val="364A7D"/>
+            </a:solidFill>
+            <a:prstDash val="solid"/>
+            <a:round/>
+            <a:headEnd type="none" w="sm" len="sm"/>
+            <a:tailEnd type="none" w="sm" len="sm"/>
+          </a:ln>
+        </p:spPr>
+        <p:txBody>
+          <a:bodyPr spcFirstLastPara="1" wrap="square" lIns="91425" tIns="45700" rIns="91425" bIns="45700" anchor="ctr" anchorCtr="0">
+            <a:noAutofit/>
+          </a:bodyPr>
+          <a:lstStyle/>
+          <a:p>
+            <a:pPr marL="0" marR="0" lvl="0" indent="0" algn="ctr" rtl="0">
+              <a:spcBef>
+                <a:spcPts val="0"/>
+              </a:spcBef>
+              <a:spcAft>
+                <a:spcPts val="0"/>
+              </a:spcAft>
+              <a:buNone/>
+            </a:pPr>
+            <a:r>
+              <a:rPr lang="es-MX" sz="1200" b="1">
+                <a:solidFill>
+                  <a:schemeClr val="lt1"/>
+                </a:solidFill>
+                <a:latin typeface="Calibri"/>
+                <a:ea typeface="Calibri"/>
+                <a:cs typeface="Calibri"/>
+                <a:sym typeface="Calibri"/>
+              </a:rPr>
+              <a:t>Premisas</a:t>
+            </a:r>
+            <a:endParaRPr/>
+          </a:p>
+        </p:txBody>
+      </p:sp>
+      <p:sp>
+        <p:nvSpPr>
+          <p:cNvPr id="113" name="Google Shape;113;p4"/>
+          <p:cNvSpPr/>
+          <p:nvPr/>
+        </p:nvSpPr>
+        <p:spPr>
+          <a:xfrm>
+            <a:off x="423884" y="5731928"/>
+            <a:ext cx="11311936" cy="597775"/>
+          </a:xfrm>
+          <a:prstGeom prst="rect">
+            <a:avLst/>
+          </a:prstGeom>
+          <a:noFill/>
+          <a:ln w="9525" cap="flat" cmpd="sng">
+            <a:solidFill>
+              <a:srgbClr val="003063"/>
+            </a:solidFill>
+            <a:prstDash val="solid"/>
+            <a:round/>
+            <a:headEnd type="none" w="sm" len="sm"/>
+            <a:tailEnd type="none" w="sm" len="sm"/>
+          </a:ln>
+        </p:spPr>
+        <p:txBody>
+          <a:bodyPr spcFirstLastPara="1" wrap="square" lIns="91425" tIns="45700" rIns="91425" bIns="45700" numCol="2" anchor="ctr" anchorCtr="0">
+            <a:noAutofit/>
+          </a:bodyPr>
+          <a:lstStyle/>
+          <a:p>
+            <a:pPr marL="228600" marR="0" lvl="0" indent="-228600" algn="l" rtl="0">
+              <a:spcBef>
+                <a:spcPts val="0"/>
+              </a:spcBef>
+              <a:spcAft>
+                <a:spcPts val="0"/>
+              </a:spcAft>
+              <a:buClr>
+                <a:srgbClr val="000000"/>
+              </a:buClr>
+              <a:buSzPts val="1000"/>
+              <a:buFont typeface="Calibri"/>
+              <a:buAutoNum type="arabicPeriod"/>
+            </a:pPr>
+            <a:r>
+              <a:rPr lang="es-MX" sz="1000" i="1" dirty="0">
+                <a:solidFill>
+                  <a:srgbClr val="000000"/>
+                </a:solidFill>
+                <a:latin typeface="Calibri"/>
+                <a:ea typeface="Calibri"/>
+                <a:cs typeface="Calibri"/>
+                <a:sym typeface="Calibri"/>
+              </a:rPr>
+              <a:t>Se usarán datos históricos mensuales como data de input  </a:t>
+            </a:r>
+          </a:p>
+          <a:p>
+            <a:pPr marL="228600" marR="0" lvl="0" indent="-228600" algn="l" rtl="0">
+              <a:spcBef>
+                <a:spcPts val="0"/>
+              </a:spcBef>
+              <a:spcAft>
+                <a:spcPts val="0"/>
+              </a:spcAft>
+              <a:buClr>
+                <a:srgbClr val="000000"/>
+              </a:buClr>
+              <a:buSzPts val="1000"/>
+              <a:buFont typeface="Calibri"/>
+              <a:buAutoNum type="arabicPeriod"/>
+            </a:pPr>
+            <a:r>
+              <a:rPr lang="es-MX" sz="1000" i="1" dirty="0">
+                <a:solidFill>
+                  <a:srgbClr val="000000"/>
+                </a:solidFill>
+                <a:latin typeface="Calibri"/>
+                <a:ea typeface="Calibri"/>
+                <a:cs typeface="Calibri"/>
+                <a:sym typeface="Calibri"/>
+              </a:rPr>
+              <a:t>Se construirá un escenario con corte de datos a Agosto de 2022:</a:t>
+            </a:r>
+            <a:endParaRPr dirty="0"/>
+          </a:p>
+          <a:p>
+            <a:pPr marL="228600" marR="0" lvl="0" indent="-228600" algn="l" rtl="0">
+              <a:spcBef>
+                <a:spcPts val="0"/>
+              </a:spcBef>
+              <a:spcAft>
+                <a:spcPts val="0"/>
+              </a:spcAft>
+              <a:buClr>
+                <a:srgbClr val="000000"/>
+              </a:buClr>
+              <a:buSzPts val="1000"/>
+              <a:buFont typeface="Calibri"/>
+              <a:buAutoNum type="arabicPeriod"/>
+            </a:pPr>
+            <a:r>
+              <a:rPr lang="es-MX" sz="1000" i="1" dirty="0">
+                <a:solidFill>
+                  <a:srgbClr val="000000"/>
+                </a:solidFill>
+                <a:latin typeface="Calibri"/>
+                <a:ea typeface="Calibri"/>
+                <a:cs typeface="Calibri"/>
+                <a:sym typeface="Calibri"/>
+              </a:rPr>
+              <a:t>Se tratará los datos de 2020 y 2021 como outliers </a:t>
+            </a:r>
+            <a:endParaRPr dirty="0"/>
+          </a:p>
+          <a:p>
+            <a:pPr marL="228600" marR="0" lvl="0" indent="-228600" algn="l" rtl="0">
+              <a:spcBef>
+                <a:spcPts val="0"/>
+              </a:spcBef>
+              <a:spcAft>
+                <a:spcPts val="0"/>
+              </a:spcAft>
+              <a:buClr>
+                <a:srgbClr val="000000"/>
+              </a:buClr>
+              <a:buSzPts val="1000"/>
+              <a:buFont typeface="Calibri"/>
+              <a:buAutoNum type="arabicPeriod"/>
+            </a:pPr>
+            <a:r>
+              <a:rPr lang="es-MX" sz="1000" i="1" dirty="0">
+                <a:solidFill>
+                  <a:srgbClr val="000000"/>
+                </a:solidFill>
+                <a:latin typeface="Calibri"/>
+                <a:ea typeface="Calibri"/>
+                <a:cs typeface="Calibri"/>
+                <a:sym typeface="Calibri"/>
+              </a:rPr>
+              <a:t>Se usará</a:t>
+            </a:r>
+            <a:r>
+              <a:rPr lang="es-MX" sz="1000" i="1" dirty="0">
+                <a:latin typeface="Calibri"/>
+                <a:ea typeface="Calibri"/>
+                <a:cs typeface="Calibri"/>
+                <a:sym typeface="Calibri"/>
+              </a:rPr>
+              <a:t> el ~90% de los datos históricos mensuales como </a:t>
+            </a:r>
+            <a:r>
+              <a:rPr lang="es-MX" sz="1000" i="1" dirty="0" err="1">
+                <a:latin typeface="Calibri"/>
+                <a:ea typeface="Calibri"/>
+                <a:cs typeface="Calibri"/>
+                <a:sym typeface="Calibri"/>
+              </a:rPr>
+              <a:t>train</a:t>
+            </a:r>
+            <a:r>
+              <a:rPr lang="es-MX" sz="1000" i="1" dirty="0">
+                <a:latin typeface="Calibri"/>
+                <a:ea typeface="Calibri"/>
+                <a:cs typeface="Calibri"/>
+                <a:sym typeface="Calibri"/>
+              </a:rPr>
+              <a:t> y el ~10 % como test </a:t>
+            </a:r>
+          </a:p>
+          <a:p>
+            <a:pPr marL="228600" marR="0" lvl="0" indent="-228600" algn="l" rtl="0">
+              <a:spcBef>
+                <a:spcPts val="0"/>
+              </a:spcBef>
+              <a:spcAft>
+                <a:spcPts val="0"/>
+              </a:spcAft>
+              <a:buClr>
+                <a:srgbClr val="000000"/>
+              </a:buClr>
+              <a:buSzPts val="1000"/>
+              <a:buFont typeface="Calibri"/>
+              <a:buAutoNum type="arabicPeriod"/>
+            </a:pPr>
+            <a:r>
+              <a:rPr lang="es-MX" sz="1000" i="1" dirty="0">
+                <a:latin typeface="Calibri"/>
+                <a:ea typeface="Calibri"/>
+                <a:cs typeface="Calibri"/>
+                <a:sym typeface="Calibri"/>
+              </a:rPr>
+              <a:t>Se espera obtener pronóstico de 12 meses de demanda como output </a:t>
+            </a:r>
+          </a:p>
+          <a:p>
+            <a:pPr marL="228600" marR="0" lvl="0" indent="-228600" algn="l" rtl="0">
+              <a:spcBef>
+                <a:spcPts val="0"/>
+              </a:spcBef>
+              <a:spcAft>
+                <a:spcPts val="0"/>
+              </a:spcAft>
+              <a:buClr>
+                <a:srgbClr val="000000"/>
+              </a:buClr>
+              <a:buSzPts val="1000"/>
+              <a:buFont typeface="Calibri"/>
+              <a:buAutoNum type="arabicPeriod"/>
+            </a:pPr>
+            <a:r>
+              <a:rPr lang="es-MX" sz="1000" i="1" dirty="0">
+                <a:latin typeface="Calibri"/>
+                <a:ea typeface="Calibri"/>
+                <a:cs typeface="Calibri"/>
+                <a:sym typeface="Calibri"/>
+              </a:rPr>
+              <a:t>4. Se evaluarán los modelos por el que tenga el menor error (MAPE, RMSE) y el mejor criterio de información (</a:t>
+            </a:r>
+            <a:r>
+              <a:rPr lang="es-MX" sz="1000" i="1" dirty="0" err="1">
+                <a:latin typeface="Calibri"/>
+                <a:ea typeface="Calibri"/>
+                <a:cs typeface="Calibri"/>
+                <a:sym typeface="Calibri"/>
+              </a:rPr>
+              <a:t>e.g</a:t>
+            </a:r>
+            <a:r>
+              <a:rPr lang="es-MX" sz="1000" i="1" dirty="0">
+                <a:latin typeface="Calibri"/>
+                <a:ea typeface="Calibri"/>
+                <a:cs typeface="Calibri"/>
+                <a:sym typeface="Calibri"/>
+              </a:rPr>
+              <a:t>. AIC)</a:t>
+            </a:r>
+          </a:p>
+          <a:p>
+            <a:pPr marR="0" lvl="0" algn="l" rtl="0">
+              <a:spcBef>
+                <a:spcPts val="0"/>
+              </a:spcBef>
+              <a:spcAft>
+                <a:spcPts val="0"/>
+              </a:spcAft>
+              <a:buClr>
+                <a:srgbClr val="000000"/>
+              </a:buClr>
+              <a:buSzPts val="1000"/>
+            </a:pPr>
+            <a:endParaRPr lang="es-MX" sz="1000" i="1" dirty="0">
+              <a:latin typeface="Calibri"/>
+              <a:ea typeface="Calibri"/>
+              <a:cs typeface="Calibri"/>
+              <a:sym typeface="Calibri"/>
+            </a:endParaRPr>
+          </a:p>
+        </p:txBody>
+      </p:sp>
+      <p:sp>
+        <p:nvSpPr>
+          <p:cNvPr id="114" name="Google Shape;114;p4"/>
+          <p:cNvSpPr/>
+          <p:nvPr/>
+        </p:nvSpPr>
+        <p:spPr>
+          <a:xfrm>
+            <a:off x="3561433" y="1173365"/>
+            <a:ext cx="495759" cy="3635457"/>
+          </a:xfrm>
+          <a:prstGeom prst="chevron">
+            <a:avLst>
+              <a:gd name="adj" fmla="val 77325"/>
+            </a:avLst>
+          </a:prstGeom>
+          <a:solidFill>
+            <a:schemeClr val="accent1"/>
+          </a:solidFill>
+          <a:ln w="15875" cap="flat" cmpd="sng">
+            <a:solidFill>
+              <a:srgbClr val="364A7D"/>
+            </a:solidFill>
+            <a:prstDash val="solid"/>
+            <a:round/>
+            <a:headEnd type="none" w="sm" len="sm"/>
+            <a:tailEnd type="none" w="sm" len="sm"/>
+          </a:ln>
+        </p:spPr>
+        <p:txBody>
+          <a:bodyPr spcFirstLastPara="1" wrap="square" lIns="91425" tIns="45700" rIns="91425" bIns="45700" anchor="ctr" anchorCtr="0">
+            <a:noAutofit/>
+          </a:bodyPr>
+          <a:lstStyle/>
+          <a:p>
+            <a:pPr marL="0" marR="0" lvl="0" indent="0" algn="ctr" rtl="0">
+              <a:spcBef>
+                <a:spcPts val="0"/>
+              </a:spcBef>
+              <a:spcAft>
+                <a:spcPts val="0"/>
+              </a:spcAft>
+              <a:buNone/>
+            </a:pPr>
+            <a:endParaRPr sz="1800">
+              <a:solidFill>
+                <a:schemeClr val="dk1"/>
+              </a:solidFill>
+              <a:latin typeface="Calibri"/>
+              <a:ea typeface="Calibri"/>
+              <a:cs typeface="Calibri"/>
+              <a:sym typeface="Calibri"/>
+            </a:endParaRPr>
+          </a:p>
+        </p:txBody>
+      </p:sp>
+      <p:sp>
+        <p:nvSpPr>
+          <p:cNvPr id="115" name="Google Shape;115;p4"/>
+          <p:cNvSpPr txBox="1"/>
+          <p:nvPr/>
+        </p:nvSpPr>
+        <p:spPr>
+          <a:xfrm>
+            <a:off x="661273" y="1448966"/>
+            <a:ext cx="2842500" cy="3216225"/>
+          </a:xfrm>
+          <a:prstGeom prst="rect">
+            <a:avLst/>
+          </a:prstGeom>
+          <a:noFill/>
+          <a:ln>
+            <a:noFill/>
+          </a:ln>
+        </p:spPr>
+        <p:txBody>
+          <a:bodyPr spcFirstLastPara="1" wrap="square" lIns="91425" tIns="45700" rIns="91425" bIns="45700" anchor="t" anchorCtr="0">
+            <a:spAutoFit/>
+          </a:bodyPr>
+          <a:lstStyle/>
+          <a:p>
+            <a:pPr marL="0" marR="0" lvl="0" indent="0" algn="ctr" rtl="0">
+              <a:spcBef>
+                <a:spcPts val="1400"/>
+              </a:spcBef>
+              <a:spcAft>
+                <a:spcPts val="0"/>
+              </a:spcAft>
+              <a:buNone/>
+            </a:pPr>
+            <a:endParaRPr sz="1400" b="1" dirty="0">
+              <a:solidFill>
+                <a:schemeClr val="dk1"/>
+              </a:solidFill>
+              <a:latin typeface="Calibri"/>
+              <a:ea typeface="Calibri"/>
+              <a:cs typeface="Calibri"/>
+              <a:sym typeface="Calibri"/>
+            </a:endParaRPr>
+          </a:p>
+          <a:p>
+            <a:pPr marL="361950" marR="0" lvl="0" indent="0" algn="l" rtl="0">
+              <a:spcBef>
+                <a:spcPts val="0"/>
+              </a:spcBef>
+              <a:spcAft>
+                <a:spcPts val="0"/>
+              </a:spcAft>
+              <a:buNone/>
+            </a:pPr>
+            <a:r>
+              <a:rPr lang="es-MX" sz="1200" dirty="0">
+                <a:solidFill>
+                  <a:schemeClr val="dk1"/>
+                </a:solidFill>
+                <a:latin typeface="Calibri"/>
+                <a:ea typeface="Calibri"/>
+                <a:cs typeface="Calibri"/>
+                <a:sym typeface="Calibri"/>
+              </a:rPr>
+              <a:t>Información histórica mensual  de consumo</a:t>
+            </a:r>
+            <a:endParaRPr dirty="0"/>
+          </a:p>
+          <a:p>
+            <a:pPr marL="361950" marR="0" lvl="0" indent="0" algn="l" rtl="0">
+              <a:spcBef>
+                <a:spcPts val="0"/>
+              </a:spcBef>
+              <a:spcAft>
+                <a:spcPts val="0"/>
+              </a:spcAft>
+              <a:buNone/>
+            </a:pPr>
+            <a:r>
+              <a:rPr lang="es-MX" sz="1200" dirty="0">
+                <a:solidFill>
+                  <a:schemeClr val="dk1"/>
+                </a:solidFill>
+                <a:latin typeface="Calibri"/>
+                <a:ea typeface="Calibri"/>
+                <a:cs typeface="Calibri"/>
+                <a:sym typeface="Calibri"/>
+              </a:rPr>
+              <a:t>De Gas natural por sector</a:t>
+            </a:r>
+            <a:endParaRPr dirty="0"/>
+          </a:p>
+          <a:p>
+            <a:pPr marL="361950" marR="0" lvl="0" indent="0" algn="l" rtl="0">
+              <a:spcBef>
+                <a:spcPts val="0"/>
+              </a:spcBef>
+              <a:spcAft>
+                <a:spcPts val="0"/>
+              </a:spcAft>
+              <a:buNone/>
+            </a:pPr>
+            <a:endParaRPr sz="1200" dirty="0">
+              <a:solidFill>
+                <a:schemeClr val="dk1"/>
+              </a:solidFill>
+              <a:latin typeface="Calibri"/>
+              <a:ea typeface="Calibri"/>
+              <a:cs typeface="Calibri"/>
+              <a:sym typeface="Calibri"/>
+            </a:endParaRPr>
+          </a:p>
+          <a:p>
+            <a:pPr marL="361950" marR="0" lvl="0" indent="0" algn="l" rtl="0">
+              <a:spcBef>
+                <a:spcPts val="1400"/>
+              </a:spcBef>
+              <a:spcAft>
+                <a:spcPts val="0"/>
+              </a:spcAft>
+              <a:buNone/>
+            </a:pPr>
+            <a:r>
+              <a:rPr lang="es-MX" sz="1200" dirty="0">
+                <a:solidFill>
+                  <a:schemeClr val="dk1"/>
+                </a:solidFill>
+                <a:latin typeface="Calibri"/>
+                <a:ea typeface="Calibri"/>
+                <a:cs typeface="Calibri"/>
+                <a:sym typeface="Calibri"/>
+              </a:rPr>
+              <a:t>Proceso de Limpieza y preparación de datos:</a:t>
+            </a:r>
+            <a:endParaRPr dirty="0"/>
+          </a:p>
+          <a:p>
+            <a:pPr marL="533400" marR="0" lvl="0" indent="-171450" algn="l" rtl="0">
+              <a:spcBef>
+                <a:spcPts val="1400"/>
+              </a:spcBef>
+              <a:spcAft>
+                <a:spcPts val="0"/>
+              </a:spcAft>
+              <a:buClr>
+                <a:schemeClr val="dk1"/>
+              </a:buClr>
+              <a:buSzPts val="1200"/>
+              <a:buFont typeface="Noto Sans Symbols"/>
+              <a:buChar char="⮚"/>
+            </a:pPr>
+            <a:r>
+              <a:rPr lang="es-MX" sz="1200" dirty="0">
+                <a:solidFill>
+                  <a:schemeClr val="dk1"/>
+                </a:solidFill>
+                <a:latin typeface="Calibri"/>
+                <a:ea typeface="Calibri"/>
+                <a:cs typeface="Calibri"/>
+                <a:sym typeface="Calibri"/>
+              </a:rPr>
+              <a:t>Identificación y tratamiento de </a:t>
+            </a:r>
+            <a:r>
+              <a:rPr lang="es-MX" sz="1200" i="1" dirty="0">
+                <a:solidFill>
+                  <a:schemeClr val="dk1"/>
+                </a:solidFill>
+                <a:latin typeface="Calibri"/>
+                <a:ea typeface="Calibri"/>
+                <a:cs typeface="Calibri"/>
+                <a:sym typeface="Calibri"/>
+              </a:rPr>
+              <a:t>outliers </a:t>
+            </a:r>
+            <a:r>
+              <a:rPr lang="es-MX" sz="1200" dirty="0">
+                <a:solidFill>
+                  <a:schemeClr val="dk1"/>
+                </a:solidFill>
+                <a:latin typeface="Calibri"/>
+                <a:ea typeface="Calibri"/>
+                <a:cs typeface="Calibri"/>
+                <a:sym typeface="Calibri"/>
+              </a:rPr>
+              <a:t>y datos faltantes</a:t>
+            </a:r>
+            <a:endParaRPr dirty="0"/>
+          </a:p>
+          <a:p>
+            <a:pPr marL="533400" marR="0" lvl="0" indent="-171450" algn="l" rtl="0">
+              <a:spcBef>
+                <a:spcPts val="600"/>
+              </a:spcBef>
+              <a:spcAft>
+                <a:spcPts val="0"/>
+              </a:spcAft>
+              <a:buClr>
+                <a:schemeClr val="dk1"/>
+              </a:buClr>
+              <a:buSzPts val="1200"/>
+              <a:buFont typeface="Noto Sans Symbols"/>
+              <a:buChar char="⮚"/>
+            </a:pPr>
+            <a:r>
+              <a:rPr lang="es-MX" sz="1200" dirty="0">
+                <a:solidFill>
+                  <a:schemeClr val="dk1"/>
+                </a:solidFill>
+                <a:latin typeface="Calibri"/>
+                <a:ea typeface="Calibri"/>
+                <a:cs typeface="Calibri"/>
+                <a:sym typeface="Calibri"/>
+              </a:rPr>
+              <a:t>Normalización </a:t>
+            </a:r>
+            <a:endParaRPr dirty="0"/>
+          </a:p>
+          <a:p>
+            <a:pPr marL="533400" marR="0" lvl="0" indent="-171450" algn="l" rtl="0">
+              <a:spcBef>
+                <a:spcPts val="600"/>
+              </a:spcBef>
+              <a:spcAft>
+                <a:spcPts val="0"/>
+              </a:spcAft>
+              <a:buClr>
+                <a:schemeClr val="dk1"/>
+              </a:buClr>
+              <a:buSzPts val="1200"/>
+              <a:buFont typeface="Noto Sans Symbols"/>
+              <a:buChar char="⮚"/>
+            </a:pPr>
+            <a:r>
+              <a:rPr lang="es-MX" sz="1200" dirty="0">
+                <a:solidFill>
+                  <a:schemeClr val="dk1"/>
+                </a:solidFill>
+                <a:latin typeface="Calibri"/>
+                <a:ea typeface="Calibri"/>
+                <a:cs typeface="Calibri"/>
+                <a:sym typeface="Calibri"/>
+              </a:rPr>
+              <a:t>Formato de serie de tiempo o lista según requiera el modelo a usar </a:t>
+            </a:r>
+            <a:endParaRPr dirty="0"/>
+          </a:p>
+        </p:txBody>
+      </p:sp>
+      <p:sp>
+        <p:nvSpPr>
+          <p:cNvPr id="116" name="Google Shape;116;p4"/>
+          <p:cNvSpPr/>
+          <p:nvPr/>
+        </p:nvSpPr>
+        <p:spPr>
+          <a:xfrm>
+            <a:off x="4854436" y="1095420"/>
+            <a:ext cx="2841547" cy="307777"/>
+          </a:xfrm>
+          <a:prstGeom prst="rect">
+            <a:avLst/>
+          </a:prstGeom>
+          <a:noFill/>
+          <a:ln>
+            <a:noFill/>
+          </a:ln>
+        </p:spPr>
+        <p:txBody>
+          <a:bodyPr spcFirstLastPara="1" wrap="square" lIns="91425" tIns="45700" rIns="91425" bIns="45700" anchor="t" anchorCtr="0">
+            <a:spAutoFit/>
+          </a:bodyPr>
+          <a:lstStyle/>
+          <a:p>
+            <a:pPr marL="0" marR="0" lvl="0" indent="0" algn="l" rtl="0">
+              <a:spcBef>
+                <a:spcPts val="0"/>
+              </a:spcBef>
+              <a:spcAft>
+                <a:spcPts val="0"/>
+              </a:spcAft>
+              <a:buNone/>
+            </a:pPr>
+            <a:r>
+              <a:rPr lang="es-MX" sz="1400" b="1" dirty="0">
+                <a:solidFill>
+                  <a:srgbClr val="000000"/>
+                </a:solidFill>
+                <a:latin typeface="Calibri"/>
+                <a:ea typeface="Calibri"/>
+                <a:cs typeface="Calibri"/>
+                <a:sym typeface="Calibri"/>
+              </a:rPr>
+              <a:t>Desarrollo y evaluación de Modelos</a:t>
+            </a:r>
+            <a:endParaRPr dirty="0"/>
+          </a:p>
+        </p:txBody>
+      </p:sp>
+      <p:sp>
+        <p:nvSpPr>
+          <p:cNvPr id="117" name="Google Shape;117;p4"/>
+          <p:cNvSpPr/>
+          <p:nvPr/>
+        </p:nvSpPr>
+        <p:spPr>
+          <a:xfrm>
+            <a:off x="9714550" y="1095420"/>
+            <a:ext cx="2221417" cy="523220"/>
+          </a:xfrm>
+          <a:prstGeom prst="rect">
+            <a:avLst/>
+          </a:prstGeom>
+          <a:noFill/>
+          <a:ln>
+            <a:noFill/>
+          </a:ln>
+        </p:spPr>
+        <p:txBody>
+          <a:bodyPr spcFirstLastPara="1" wrap="square" lIns="91425" tIns="45700" rIns="91425" bIns="45700" anchor="t" anchorCtr="0">
+            <a:spAutoFit/>
+          </a:bodyPr>
+          <a:lstStyle/>
+          <a:p>
+            <a:pPr marL="0" marR="0" lvl="0" indent="0" algn="ctr" rtl="0">
+              <a:spcBef>
+                <a:spcPts val="0"/>
+              </a:spcBef>
+              <a:spcAft>
+                <a:spcPts val="0"/>
+              </a:spcAft>
+              <a:buNone/>
+            </a:pPr>
+            <a:r>
+              <a:rPr lang="es-MX" b="1" dirty="0">
+                <a:latin typeface="Calibri"/>
+                <a:ea typeface="Calibri"/>
+                <a:cs typeface="Calibri"/>
+                <a:sym typeface="Calibri"/>
+              </a:rPr>
+              <a:t>Comparación de modelos y conclusiones generales </a:t>
+            </a:r>
+            <a:endParaRPr dirty="0"/>
+          </a:p>
+        </p:txBody>
+      </p:sp>
+      <p:sp>
+        <p:nvSpPr>
+          <p:cNvPr id="118" name="Google Shape;118;p4"/>
+          <p:cNvSpPr/>
+          <p:nvPr/>
+        </p:nvSpPr>
+        <p:spPr>
+          <a:xfrm>
+            <a:off x="8853376" y="1173365"/>
+            <a:ext cx="495759" cy="3635457"/>
+          </a:xfrm>
+          <a:prstGeom prst="chevron">
+            <a:avLst>
+              <a:gd name="adj" fmla="val 77325"/>
+            </a:avLst>
+          </a:prstGeom>
+          <a:solidFill>
+            <a:schemeClr val="accent1"/>
+          </a:solidFill>
+          <a:ln w="15875" cap="flat" cmpd="sng">
+            <a:solidFill>
+              <a:srgbClr val="364A7D"/>
+            </a:solidFill>
+            <a:prstDash val="solid"/>
+            <a:round/>
+            <a:headEnd type="none" w="sm" len="sm"/>
+            <a:tailEnd type="none" w="sm" len="sm"/>
+          </a:ln>
+        </p:spPr>
+        <p:txBody>
+          <a:bodyPr spcFirstLastPara="1" wrap="square" lIns="91425" tIns="45700" rIns="91425" bIns="45700" anchor="ctr" anchorCtr="0">
+            <a:noAutofit/>
+          </a:bodyPr>
+          <a:lstStyle/>
+          <a:p>
+            <a:pPr marL="0" marR="0" lvl="0" indent="0" algn="ctr" rtl="0">
+              <a:spcBef>
+                <a:spcPts val="0"/>
+              </a:spcBef>
+              <a:spcAft>
+                <a:spcPts val="0"/>
+              </a:spcAft>
+              <a:buNone/>
+            </a:pPr>
+            <a:endParaRPr sz="1800">
+              <a:solidFill>
+                <a:schemeClr val="dk1"/>
+              </a:solidFill>
+              <a:latin typeface="Calibri"/>
+              <a:ea typeface="Calibri"/>
+              <a:cs typeface="Calibri"/>
+              <a:sym typeface="Calibri"/>
+            </a:endParaRPr>
+          </a:p>
+        </p:txBody>
+      </p:sp>
+      <p:sp>
+        <p:nvSpPr>
+          <p:cNvPr id="119" name="Google Shape;119;p4"/>
+          <p:cNvSpPr txBox="1"/>
+          <p:nvPr/>
+        </p:nvSpPr>
+        <p:spPr>
+          <a:xfrm>
+            <a:off x="4404384" y="1328501"/>
+            <a:ext cx="1440771" cy="276999"/>
+          </a:xfrm>
+          <a:prstGeom prst="rect">
+            <a:avLst/>
+          </a:prstGeom>
+          <a:noFill/>
+          <a:ln>
+            <a:noFill/>
+          </a:ln>
+        </p:spPr>
+        <p:txBody>
+          <a:bodyPr spcFirstLastPara="1" wrap="square" lIns="91425" tIns="45700" rIns="91425" bIns="45700" anchor="t" anchorCtr="0">
+            <a:spAutoFit/>
+          </a:bodyPr>
+          <a:lstStyle/>
+          <a:p>
+            <a:pPr marL="0" marR="0" lvl="0" indent="0" algn="ctr" rtl="0">
+              <a:spcBef>
+                <a:spcPts val="0"/>
+              </a:spcBef>
+              <a:spcAft>
+                <a:spcPts val="0"/>
+              </a:spcAft>
+              <a:buNone/>
+            </a:pPr>
+            <a:r>
+              <a:rPr lang="es-MX" sz="1200" b="1" i="1">
+                <a:solidFill>
+                  <a:srgbClr val="FF6699"/>
+                </a:solidFill>
+                <a:latin typeface="Calibri"/>
+                <a:ea typeface="Calibri"/>
+                <a:cs typeface="Calibri"/>
+                <a:sym typeface="Calibri"/>
+              </a:rPr>
+              <a:t>Series de Tiempo </a:t>
+            </a:r>
+            <a:endParaRPr/>
+          </a:p>
+        </p:txBody>
+      </p:sp>
+      <p:pic>
+        <p:nvPicPr>
+          <p:cNvPr id="120" name="Google Shape;120;p4"/>
+          <p:cNvPicPr preferRelativeResize="0"/>
+          <p:nvPr/>
+        </p:nvPicPr>
+        <p:blipFill rotWithShape="1">
+          <a:blip r:embed="rId3">
+            <a:alphaModFix/>
+          </a:blip>
+          <a:srcRect/>
+          <a:stretch/>
+        </p:blipFill>
+        <p:spPr>
+          <a:xfrm>
+            <a:off x="494050" y="2100847"/>
+            <a:ext cx="450296" cy="379149"/>
+          </a:xfrm>
+          <a:prstGeom prst="rect">
+            <a:avLst/>
+          </a:prstGeom>
+          <a:noFill/>
+          <a:ln>
+            <a:noFill/>
+          </a:ln>
+        </p:spPr>
+      </p:pic>
+      <p:sp>
+        <p:nvSpPr>
+          <p:cNvPr id="122" name="Google Shape;122;p4"/>
+          <p:cNvSpPr txBox="1"/>
+          <p:nvPr/>
+        </p:nvSpPr>
+        <p:spPr>
+          <a:xfrm>
+            <a:off x="6538933" y="1342372"/>
+            <a:ext cx="1440771" cy="276999"/>
+          </a:xfrm>
+          <a:prstGeom prst="rect">
+            <a:avLst/>
+          </a:prstGeom>
+          <a:noFill/>
+          <a:ln>
+            <a:noFill/>
+          </a:ln>
+        </p:spPr>
+        <p:txBody>
+          <a:bodyPr spcFirstLastPara="1" wrap="square" lIns="91425" tIns="45700" rIns="91425" bIns="45700" anchor="t" anchorCtr="0">
+            <a:spAutoFit/>
+          </a:bodyPr>
+          <a:lstStyle/>
+          <a:p>
+            <a:pPr marL="0" marR="0" lvl="0" indent="0" algn="ctr" rtl="0">
+              <a:spcBef>
+                <a:spcPts val="0"/>
+              </a:spcBef>
+              <a:spcAft>
+                <a:spcPts val="0"/>
+              </a:spcAft>
+              <a:buNone/>
+            </a:pPr>
+            <a:r>
+              <a:rPr lang="es-MX" sz="1200" b="1" i="1">
+                <a:solidFill>
+                  <a:srgbClr val="7030A0"/>
+                </a:solidFill>
+                <a:latin typeface="Calibri"/>
+                <a:ea typeface="Calibri"/>
+                <a:cs typeface="Calibri"/>
+                <a:sym typeface="Calibri"/>
+              </a:rPr>
+              <a:t>Redes Neuronales</a:t>
+            </a:r>
+            <a:endParaRPr/>
+          </a:p>
+        </p:txBody>
+      </p:sp>
+      <p:sp>
+        <p:nvSpPr>
+          <p:cNvPr id="123" name="Google Shape;123;p4"/>
+          <p:cNvSpPr/>
+          <p:nvPr/>
+        </p:nvSpPr>
+        <p:spPr>
+          <a:xfrm>
+            <a:off x="4414544" y="1754986"/>
+            <a:ext cx="1735766" cy="439232"/>
+          </a:xfrm>
+          <a:prstGeom prst="rect">
+            <a:avLst/>
+          </a:prstGeom>
+          <a:solidFill>
+            <a:srgbClr val="FF6699"/>
+          </a:solidFill>
+          <a:ln>
+            <a:noFill/>
+          </a:ln>
+        </p:spPr>
+        <p:txBody>
+          <a:bodyPr spcFirstLastPara="1" wrap="square" lIns="91425" tIns="45700" rIns="91425" bIns="45700" anchor="ctr" anchorCtr="0">
+            <a:noAutofit/>
+          </a:bodyPr>
+          <a:lstStyle/>
+          <a:p>
+            <a:pPr marL="0" marR="0" lvl="0" indent="0" algn="ctr" rtl="0">
+              <a:spcBef>
+                <a:spcPts val="0"/>
+              </a:spcBef>
+              <a:spcAft>
+                <a:spcPts val="0"/>
+              </a:spcAft>
+              <a:buNone/>
+            </a:pPr>
+            <a:r>
+              <a:rPr lang="es-MX" sz="900" b="1" dirty="0">
+                <a:solidFill>
+                  <a:srgbClr val="FFFFFF"/>
+                </a:solidFill>
+                <a:latin typeface="Calibri"/>
+                <a:ea typeface="Calibri"/>
+                <a:cs typeface="Calibri"/>
+                <a:sym typeface="Calibri"/>
+              </a:rPr>
+              <a:t>Verificación de supuesto de </a:t>
+            </a:r>
+            <a:r>
+              <a:rPr lang="es-MX" sz="900" b="1" dirty="0" err="1">
+                <a:solidFill>
+                  <a:srgbClr val="FFFFFF"/>
+                </a:solidFill>
+                <a:latin typeface="Calibri"/>
+                <a:ea typeface="Calibri"/>
+                <a:cs typeface="Calibri"/>
+                <a:sym typeface="Calibri"/>
+              </a:rPr>
+              <a:t>estacioneriedad</a:t>
+            </a:r>
+            <a:r>
+              <a:rPr lang="es-MX" sz="900" b="1" dirty="0">
+                <a:solidFill>
+                  <a:srgbClr val="FFFFFF"/>
+                </a:solidFill>
+                <a:latin typeface="Calibri"/>
+                <a:ea typeface="Calibri"/>
+                <a:cs typeface="Calibri"/>
+                <a:sym typeface="Calibri"/>
+              </a:rPr>
+              <a:t> para aplicación de modelo</a:t>
+            </a:r>
+            <a:endParaRPr dirty="0"/>
+          </a:p>
+        </p:txBody>
+      </p:sp>
+      <p:cxnSp>
+        <p:nvCxnSpPr>
+          <p:cNvPr id="124" name="Google Shape;124;p4"/>
+          <p:cNvCxnSpPr/>
+          <p:nvPr/>
+        </p:nvCxnSpPr>
+        <p:spPr>
+          <a:xfrm>
+            <a:off x="5302091" y="2249666"/>
+            <a:ext cx="1" cy="135785"/>
+          </a:xfrm>
+          <a:prstGeom prst="straightConnector1">
+            <a:avLst/>
+          </a:prstGeom>
+          <a:noFill/>
+          <a:ln w="12700" cap="flat" cmpd="sng">
+            <a:solidFill>
+              <a:schemeClr val="dk1"/>
+            </a:solidFill>
+            <a:prstDash val="solid"/>
+            <a:round/>
+            <a:headEnd type="none" w="sm" len="sm"/>
+            <a:tailEnd type="triangle" w="med" len="med"/>
+          </a:ln>
+        </p:spPr>
+      </p:cxnSp>
+      <p:sp>
+        <p:nvSpPr>
+          <p:cNvPr id="125" name="Google Shape;125;p4"/>
+          <p:cNvSpPr/>
+          <p:nvPr/>
+        </p:nvSpPr>
+        <p:spPr>
+          <a:xfrm>
+            <a:off x="4414544" y="2441118"/>
+            <a:ext cx="1735766" cy="439232"/>
+          </a:xfrm>
+          <a:prstGeom prst="rect">
+            <a:avLst/>
+          </a:prstGeom>
+          <a:solidFill>
+            <a:srgbClr val="FF6699"/>
+          </a:solidFill>
+          <a:ln>
+            <a:noFill/>
+          </a:ln>
+        </p:spPr>
+        <p:txBody>
+          <a:bodyPr spcFirstLastPara="1" wrap="square" lIns="91425" tIns="45700" rIns="91425" bIns="45700" anchor="ctr" anchorCtr="0">
+            <a:noAutofit/>
+          </a:bodyPr>
+          <a:lstStyle/>
+          <a:p>
+            <a:pPr marL="0" marR="0" lvl="0" indent="0" algn="ctr" rtl="0">
+              <a:spcBef>
+                <a:spcPts val="0"/>
+              </a:spcBef>
+              <a:spcAft>
+                <a:spcPts val="0"/>
+              </a:spcAft>
+              <a:buNone/>
+            </a:pPr>
+            <a:endParaRPr sz="900" b="1">
+              <a:solidFill>
+                <a:srgbClr val="FFFFFF"/>
+              </a:solidFill>
+              <a:latin typeface="Calibri"/>
+              <a:ea typeface="Calibri"/>
+              <a:cs typeface="Calibri"/>
+              <a:sym typeface="Calibri"/>
+            </a:endParaRPr>
+          </a:p>
+          <a:p>
+            <a:pPr marL="0" marR="0" lvl="0" indent="0" algn="ctr" rtl="0">
+              <a:spcBef>
+                <a:spcPts val="0"/>
+              </a:spcBef>
+              <a:spcAft>
+                <a:spcPts val="0"/>
+              </a:spcAft>
+              <a:buNone/>
+            </a:pPr>
+            <a:r>
+              <a:rPr lang="es-MX" sz="900" b="1">
+                <a:solidFill>
+                  <a:srgbClr val="FFFFFF"/>
+                </a:solidFill>
+                <a:latin typeface="Calibri"/>
+                <a:ea typeface="Calibri"/>
+                <a:cs typeface="Calibri"/>
+                <a:sym typeface="Calibri"/>
+              </a:rPr>
+              <a:t>Identificación de modelo de series a usar en cada caso (ARIMA, SARIMA)</a:t>
+            </a:r>
+            <a:endParaRPr/>
+          </a:p>
+          <a:p>
+            <a:pPr marL="0" marR="0" lvl="0" indent="0" algn="ctr" rtl="0">
+              <a:spcBef>
+                <a:spcPts val="0"/>
+              </a:spcBef>
+              <a:spcAft>
+                <a:spcPts val="0"/>
+              </a:spcAft>
+              <a:buNone/>
+            </a:pPr>
+            <a:endParaRPr sz="900" b="1">
+              <a:solidFill>
+                <a:srgbClr val="FFFFFF"/>
+              </a:solidFill>
+              <a:latin typeface="Calibri"/>
+              <a:ea typeface="Calibri"/>
+              <a:cs typeface="Calibri"/>
+              <a:sym typeface="Calibri"/>
+            </a:endParaRPr>
+          </a:p>
+        </p:txBody>
+      </p:sp>
+      <p:sp>
+        <p:nvSpPr>
+          <p:cNvPr id="126" name="Google Shape;126;p4"/>
+          <p:cNvSpPr/>
+          <p:nvPr/>
+        </p:nvSpPr>
+        <p:spPr>
+          <a:xfrm>
+            <a:off x="4414544" y="3130993"/>
+            <a:ext cx="1735800" cy="439200"/>
+          </a:xfrm>
+          <a:prstGeom prst="rect">
+            <a:avLst/>
+          </a:prstGeom>
+          <a:solidFill>
+            <a:srgbClr val="FF6699"/>
+          </a:solidFill>
+          <a:ln>
+            <a:noFill/>
+          </a:ln>
+        </p:spPr>
+        <p:txBody>
+          <a:bodyPr spcFirstLastPara="1" wrap="square" lIns="91425" tIns="45700" rIns="91425" bIns="45700" anchor="ctr" anchorCtr="0">
+            <a:noAutofit/>
+          </a:bodyPr>
+          <a:lstStyle/>
+          <a:p>
+            <a:pPr marL="0" marR="0" lvl="0" indent="0" algn="ctr" rtl="0">
+              <a:spcBef>
+                <a:spcPts val="0"/>
+              </a:spcBef>
+              <a:spcAft>
+                <a:spcPts val="0"/>
+              </a:spcAft>
+              <a:buNone/>
+            </a:pPr>
+            <a:endParaRPr sz="900" b="1">
+              <a:solidFill>
+                <a:srgbClr val="FFFFFF"/>
+              </a:solidFill>
+              <a:latin typeface="Calibri"/>
+              <a:ea typeface="Calibri"/>
+              <a:cs typeface="Calibri"/>
+              <a:sym typeface="Calibri"/>
+            </a:endParaRPr>
+          </a:p>
+          <a:p>
+            <a:pPr marL="0" marR="0" lvl="0" indent="0" algn="ctr" rtl="0">
+              <a:spcBef>
+                <a:spcPts val="0"/>
+              </a:spcBef>
+              <a:spcAft>
+                <a:spcPts val="0"/>
+              </a:spcAft>
+              <a:buNone/>
+            </a:pPr>
+            <a:r>
+              <a:rPr lang="es-MX" sz="900" b="1">
+                <a:solidFill>
+                  <a:srgbClr val="FFFFFF"/>
+                </a:solidFill>
+                <a:latin typeface="Calibri"/>
+                <a:ea typeface="Calibri"/>
+                <a:cs typeface="Calibri"/>
+                <a:sym typeface="Calibri"/>
+              </a:rPr>
+              <a:t>Aplicación de modelos seleccionados y cuantificación de error</a:t>
+            </a:r>
+            <a:endParaRPr/>
+          </a:p>
+          <a:p>
+            <a:pPr marL="0" marR="0" lvl="0" indent="0" algn="ctr" rtl="0">
+              <a:spcBef>
+                <a:spcPts val="0"/>
+              </a:spcBef>
+              <a:spcAft>
+                <a:spcPts val="0"/>
+              </a:spcAft>
+              <a:buNone/>
+            </a:pPr>
+            <a:endParaRPr sz="900" b="1">
+              <a:solidFill>
+                <a:srgbClr val="FFFFFF"/>
+              </a:solidFill>
+              <a:latin typeface="Calibri"/>
+              <a:ea typeface="Calibri"/>
+              <a:cs typeface="Calibri"/>
+              <a:sym typeface="Calibri"/>
+            </a:endParaRPr>
+          </a:p>
+        </p:txBody>
+      </p:sp>
+      <p:cxnSp>
+        <p:nvCxnSpPr>
+          <p:cNvPr id="127" name="Google Shape;127;p4"/>
+          <p:cNvCxnSpPr/>
+          <p:nvPr/>
+        </p:nvCxnSpPr>
+        <p:spPr>
+          <a:xfrm>
+            <a:off x="5302091" y="2950706"/>
+            <a:ext cx="1" cy="135785"/>
+          </a:xfrm>
+          <a:prstGeom prst="straightConnector1">
+            <a:avLst/>
+          </a:prstGeom>
+          <a:noFill/>
+          <a:ln w="12700" cap="flat" cmpd="sng">
+            <a:solidFill>
+              <a:schemeClr val="dk1"/>
+            </a:solidFill>
+            <a:prstDash val="solid"/>
+            <a:round/>
+            <a:headEnd type="none" w="sm" len="sm"/>
+            <a:tailEnd type="triangle" w="med" len="med"/>
+          </a:ln>
+        </p:spPr>
+      </p:cxnSp>
+      <p:sp>
+        <p:nvSpPr>
+          <p:cNvPr id="128" name="Google Shape;128;p4"/>
+          <p:cNvSpPr/>
+          <p:nvPr/>
+        </p:nvSpPr>
+        <p:spPr>
+          <a:xfrm>
+            <a:off x="4414544" y="3826760"/>
+            <a:ext cx="1735766" cy="439232"/>
+          </a:xfrm>
+          <a:prstGeom prst="rect">
+            <a:avLst/>
+          </a:prstGeom>
+          <a:solidFill>
+            <a:srgbClr val="FF6699"/>
+          </a:solidFill>
+          <a:ln>
+            <a:noFill/>
+          </a:ln>
+        </p:spPr>
+        <p:txBody>
+          <a:bodyPr spcFirstLastPara="1" wrap="square" lIns="91425" tIns="45700" rIns="91425" bIns="45700" anchor="ctr" anchorCtr="0">
+            <a:noAutofit/>
+          </a:bodyPr>
+          <a:lstStyle/>
+          <a:p>
+            <a:pPr marL="0" marR="0" lvl="0" indent="0" algn="ctr" rtl="0">
+              <a:spcBef>
+                <a:spcPts val="0"/>
+              </a:spcBef>
+              <a:spcAft>
+                <a:spcPts val="0"/>
+              </a:spcAft>
+              <a:buNone/>
+            </a:pPr>
+            <a:endParaRPr sz="900" b="1">
+              <a:solidFill>
+                <a:srgbClr val="FFFFFF"/>
+              </a:solidFill>
+              <a:latin typeface="Calibri"/>
+              <a:ea typeface="Calibri"/>
+              <a:cs typeface="Calibri"/>
+              <a:sym typeface="Calibri"/>
+            </a:endParaRPr>
+          </a:p>
+          <a:p>
+            <a:pPr marL="0" marR="0" lvl="0" indent="0" algn="ctr" rtl="0">
+              <a:spcBef>
+                <a:spcPts val="0"/>
+              </a:spcBef>
+              <a:spcAft>
+                <a:spcPts val="0"/>
+              </a:spcAft>
+              <a:buNone/>
+            </a:pPr>
+            <a:r>
+              <a:rPr lang="es-MX" sz="900" b="1">
+                <a:solidFill>
+                  <a:srgbClr val="FFFFFF"/>
+                </a:solidFill>
+                <a:latin typeface="Calibri"/>
+                <a:ea typeface="Calibri"/>
+                <a:cs typeface="Calibri"/>
+                <a:sym typeface="Calibri"/>
+              </a:rPr>
+              <a:t>Conclusiones sobre el uso de las series de tiempo para pronóstico de gas</a:t>
+            </a:r>
+            <a:endParaRPr/>
+          </a:p>
+          <a:p>
+            <a:pPr marL="0" marR="0" lvl="0" indent="0" algn="ctr" rtl="0">
+              <a:spcBef>
+                <a:spcPts val="0"/>
+              </a:spcBef>
+              <a:spcAft>
+                <a:spcPts val="0"/>
+              </a:spcAft>
+              <a:buNone/>
+            </a:pPr>
+            <a:endParaRPr sz="900" b="1">
+              <a:solidFill>
+                <a:srgbClr val="FFFFFF"/>
+              </a:solidFill>
+              <a:latin typeface="Calibri"/>
+              <a:ea typeface="Calibri"/>
+              <a:cs typeface="Calibri"/>
+              <a:sym typeface="Calibri"/>
+            </a:endParaRPr>
+          </a:p>
+        </p:txBody>
+      </p:sp>
+      <p:cxnSp>
+        <p:nvCxnSpPr>
+          <p:cNvPr id="129" name="Google Shape;129;p4"/>
+          <p:cNvCxnSpPr/>
+          <p:nvPr/>
+        </p:nvCxnSpPr>
+        <p:spPr>
+          <a:xfrm>
+            <a:off x="5302091" y="3647312"/>
+            <a:ext cx="1" cy="135785"/>
+          </a:xfrm>
+          <a:prstGeom prst="straightConnector1">
+            <a:avLst/>
+          </a:prstGeom>
+          <a:noFill/>
+          <a:ln w="12700" cap="flat" cmpd="sng">
+            <a:solidFill>
+              <a:schemeClr val="dk1"/>
+            </a:solidFill>
+            <a:prstDash val="solid"/>
+            <a:round/>
+            <a:headEnd type="none" w="sm" len="sm"/>
+            <a:tailEnd type="triangle" w="med" len="med"/>
+          </a:ln>
+        </p:spPr>
+      </p:cxnSp>
+      <p:sp>
+        <p:nvSpPr>
+          <p:cNvPr id="130" name="Google Shape;130;p4"/>
+          <p:cNvSpPr/>
+          <p:nvPr/>
+        </p:nvSpPr>
+        <p:spPr>
+          <a:xfrm>
+            <a:off x="6564098" y="1764714"/>
+            <a:ext cx="1735766" cy="439232"/>
+          </a:xfrm>
+          <a:prstGeom prst="rect">
+            <a:avLst/>
+          </a:prstGeom>
+          <a:solidFill>
+            <a:srgbClr val="B07BD7"/>
+          </a:solidFill>
+          <a:ln>
+            <a:noFill/>
+          </a:ln>
+        </p:spPr>
+        <p:txBody>
+          <a:bodyPr spcFirstLastPara="1" wrap="square" lIns="91425" tIns="45700" rIns="91425" bIns="45700" anchor="ctr" anchorCtr="0">
+            <a:noAutofit/>
+          </a:bodyPr>
+          <a:lstStyle/>
+          <a:p>
+            <a:pPr marL="0" marR="0" lvl="0" indent="0" algn="ctr" rtl="0">
+              <a:spcBef>
+                <a:spcPts val="0"/>
+              </a:spcBef>
+              <a:spcAft>
+                <a:spcPts val="0"/>
+              </a:spcAft>
+              <a:buNone/>
+            </a:pPr>
+            <a:r>
+              <a:rPr lang="es-MX" sz="900" b="1" dirty="0">
+                <a:solidFill>
+                  <a:srgbClr val="FFFFFF"/>
+                </a:solidFill>
+                <a:latin typeface="Calibri"/>
+                <a:ea typeface="Calibri"/>
+                <a:cs typeface="Calibri"/>
+                <a:sym typeface="Calibri"/>
+              </a:rPr>
+              <a:t>Selección de variables relevantes para incluir en la Red Neuronal</a:t>
+            </a:r>
+            <a:endParaRPr dirty="0"/>
+          </a:p>
+        </p:txBody>
+      </p:sp>
+      <p:cxnSp>
+        <p:nvCxnSpPr>
+          <p:cNvPr id="131" name="Google Shape;131;p4"/>
+          <p:cNvCxnSpPr/>
+          <p:nvPr/>
+        </p:nvCxnSpPr>
+        <p:spPr>
+          <a:xfrm>
+            <a:off x="7470878" y="2249666"/>
+            <a:ext cx="1" cy="135785"/>
+          </a:xfrm>
+          <a:prstGeom prst="straightConnector1">
+            <a:avLst/>
+          </a:prstGeom>
+          <a:noFill/>
+          <a:ln w="12700" cap="flat" cmpd="sng">
+            <a:solidFill>
+              <a:schemeClr val="dk1"/>
+            </a:solidFill>
+            <a:prstDash val="solid"/>
+            <a:round/>
+            <a:headEnd type="none" w="sm" len="sm"/>
+            <a:tailEnd type="triangle" w="med" len="med"/>
+          </a:ln>
+        </p:spPr>
+      </p:cxnSp>
+      <p:sp>
+        <p:nvSpPr>
+          <p:cNvPr id="132" name="Google Shape;132;p4"/>
+          <p:cNvSpPr/>
+          <p:nvPr/>
+        </p:nvSpPr>
+        <p:spPr>
+          <a:xfrm>
+            <a:off x="6564098" y="2450846"/>
+            <a:ext cx="1735766" cy="439232"/>
+          </a:xfrm>
+          <a:prstGeom prst="rect">
+            <a:avLst/>
+          </a:prstGeom>
+          <a:solidFill>
+            <a:srgbClr val="B07BD7"/>
+          </a:solidFill>
+          <a:ln>
+            <a:noFill/>
+          </a:ln>
+        </p:spPr>
+        <p:txBody>
+          <a:bodyPr spcFirstLastPara="1" wrap="square" lIns="91425" tIns="45700" rIns="91425" bIns="45700" anchor="ctr" anchorCtr="0">
+            <a:noAutofit/>
+          </a:bodyPr>
+          <a:lstStyle/>
+          <a:p>
+            <a:pPr marL="0" marR="0" lvl="0" indent="0" algn="ctr" rtl="0">
+              <a:spcBef>
+                <a:spcPts val="0"/>
+              </a:spcBef>
+              <a:spcAft>
+                <a:spcPts val="0"/>
+              </a:spcAft>
+              <a:buNone/>
+            </a:pPr>
+            <a:endParaRPr sz="900" b="1">
+              <a:solidFill>
+                <a:srgbClr val="FFFFFF"/>
+              </a:solidFill>
+              <a:latin typeface="Calibri"/>
+              <a:ea typeface="Calibri"/>
+              <a:cs typeface="Calibri"/>
+              <a:sym typeface="Calibri"/>
+            </a:endParaRPr>
+          </a:p>
+          <a:p>
+            <a:pPr marL="0" marR="0" lvl="0" indent="0" algn="ctr" rtl="0">
+              <a:spcBef>
+                <a:spcPts val="0"/>
+              </a:spcBef>
+              <a:spcAft>
+                <a:spcPts val="0"/>
+              </a:spcAft>
+              <a:buNone/>
+            </a:pPr>
+            <a:r>
+              <a:rPr lang="es-MX" sz="900" b="1">
+                <a:solidFill>
+                  <a:srgbClr val="FFFFFF"/>
+                </a:solidFill>
+                <a:latin typeface="Calibri"/>
+                <a:ea typeface="Calibri"/>
+                <a:cs typeface="Calibri"/>
+                <a:sym typeface="Calibri"/>
+              </a:rPr>
+              <a:t>Identificación de modelo de redes a usar en cada caso (RNN, LSTM)</a:t>
+            </a:r>
+            <a:endParaRPr/>
+          </a:p>
+          <a:p>
+            <a:pPr marL="0" marR="0" lvl="0" indent="0" algn="ctr" rtl="0">
+              <a:spcBef>
+                <a:spcPts val="0"/>
+              </a:spcBef>
+              <a:spcAft>
+                <a:spcPts val="0"/>
+              </a:spcAft>
+              <a:buNone/>
+            </a:pPr>
+            <a:endParaRPr sz="900" b="1">
+              <a:solidFill>
+                <a:srgbClr val="FFFFFF"/>
+              </a:solidFill>
+              <a:latin typeface="Calibri"/>
+              <a:ea typeface="Calibri"/>
+              <a:cs typeface="Calibri"/>
+              <a:sym typeface="Calibri"/>
+            </a:endParaRPr>
+          </a:p>
+        </p:txBody>
+      </p:sp>
+      <p:sp>
+        <p:nvSpPr>
+          <p:cNvPr id="133" name="Google Shape;133;p4"/>
+          <p:cNvSpPr/>
+          <p:nvPr/>
+        </p:nvSpPr>
+        <p:spPr>
+          <a:xfrm>
+            <a:off x="6564098" y="3140721"/>
+            <a:ext cx="1735766" cy="439232"/>
+          </a:xfrm>
+          <a:prstGeom prst="rect">
+            <a:avLst/>
+          </a:prstGeom>
+          <a:solidFill>
+            <a:srgbClr val="B07BD7"/>
+          </a:solidFill>
+          <a:ln>
+            <a:noFill/>
+          </a:ln>
+        </p:spPr>
+        <p:txBody>
+          <a:bodyPr spcFirstLastPara="1" wrap="square" lIns="91425" tIns="45700" rIns="91425" bIns="45700" anchor="ctr" anchorCtr="0">
+            <a:noAutofit/>
+          </a:bodyPr>
+          <a:lstStyle/>
+          <a:p>
+            <a:pPr marL="0" marR="0" lvl="0" indent="0" algn="ctr" rtl="0">
+              <a:spcBef>
+                <a:spcPts val="0"/>
+              </a:spcBef>
+              <a:spcAft>
+                <a:spcPts val="0"/>
+              </a:spcAft>
+              <a:buNone/>
+            </a:pPr>
+            <a:endParaRPr sz="900" b="1">
+              <a:solidFill>
+                <a:srgbClr val="FFFFFF"/>
+              </a:solidFill>
+              <a:latin typeface="Calibri"/>
+              <a:ea typeface="Calibri"/>
+              <a:cs typeface="Calibri"/>
+              <a:sym typeface="Calibri"/>
+            </a:endParaRPr>
+          </a:p>
+          <a:p>
+            <a:pPr marL="0" marR="0" lvl="0" indent="0" algn="ctr" rtl="0">
+              <a:spcBef>
+                <a:spcPts val="0"/>
+              </a:spcBef>
+              <a:spcAft>
+                <a:spcPts val="0"/>
+              </a:spcAft>
+              <a:buNone/>
+            </a:pPr>
+            <a:r>
+              <a:rPr lang="es-MX" sz="900" b="1">
+                <a:solidFill>
+                  <a:srgbClr val="FFFFFF"/>
+                </a:solidFill>
+                <a:latin typeface="Calibri"/>
+                <a:ea typeface="Calibri"/>
+                <a:cs typeface="Calibri"/>
+                <a:sym typeface="Calibri"/>
+              </a:rPr>
+              <a:t>Aplicación de modelos seleccionados y cuantificación de error</a:t>
+            </a:r>
+            <a:endParaRPr/>
+          </a:p>
+          <a:p>
+            <a:pPr marL="0" marR="0" lvl="0" indent="0" algn="ctr" rtl="0">
+              <a:spcBef>
+                <a:spcPts val="0"/>
+              </a:spcBef>
+              <a:spcAft>
+                <a:spcPts val="0"/>
+              </a:spcAft>
+              <a:buNone/>
+            </a:pPr>
+            <a:endParaRPr sz="900" b="1">
+              <a:solidFill>
+                <a:srgbClr val="FFFFFF"/>
+              </a:solidFill>
+              <a:latin typeface="Calibri"/>
+              <a:ea typeface="Calibri"/>
+              <a:cs typeface="Calibri"/>
+              <a:sym typeface="Calibri"/>
+            </a:endParaRPr>
+          </a:p>
+        </p:txBody>
+      </p:sp>
+      <p:cxnSp>
+        <p:nvCxnSpPr>
+          <p:cNvPr id="134" name="Google Shape;134;p4"/>
+          <p:cNvCxnSpPr/>
+          <p:nvPr/>
+        </p:nvCxnSpPr>
+        <p:spPr>
+          <a:xfrm>
+            <a:off x="7470878" y="2950706"/>
+            <a:ext cx="1" cy="135785"/>
+          </a:xfrm>
+          <a:prstGeom prst="straightConnector1">
+            <a:avLst/>
+          </a:prstGeom>
+          <a:noFill/>
+          <a:ln w="12700" cap="flat" cmpd="sng">
+            <a:solidFill>
+              <a:schemeClr val="dk1"/>
+            </a:solidFill>
+            <a:prstDash val="solid"/>
+            <a:round/>
+            <a:headEnd type="none" w="sm" len="sm"/>
+            <a:tailEnd type="triangle" w="med" len="med"/>
+          </a:ln>
+        </p:spPr>
+      </p:cxnSp>
+      <p:sp>
+        <p:nvSpPr>
+          <p:cNvPr id="135" name="Google Shape;135;p4"/>
+          <p:cNvSpPr/>
+          <p:nvPr/>
+        </p:nvSpPr>
+        <p:spPr>
+          <a:xfrm>
+            <a:off x="6563666" y="3836488"/>
+            <a:ext cx="1735766" cy="439232"/>
+          </a:xfrm>
+          <a:prstGeom prst="rect">
+            <a:avLst/>
+          </a:prstGeom>
+          <a:solidFill>
+            <a:srgbClr val="B07BD7"/>
+          </a:solidFill>
+          <a:ln>
+            <a:noFill/>
+          </a:ln>
+        </p:spPr>
+        <p:txBody>
+          <a:bodyPr spcFirstLastPara="1" wrap="square" lIns="91425" tIns="45700" rIns="91425" bIns="45700" anchor="ctr" anchorCtr="0">
+            <a:noAutofit/>
+          </a:bodyPr>
+          <a:lstStyle/>
+          <a:p>
+            <a:pPr marL="0" marR="0" lvl="0" indent="0" algn="ctr" rtl="0">
+              <a:spcBef>
+                <a:spcPts val="0"/>
+              </a:spcBef>
+              <a:spcAft>
+                <a:spcPts val="0"/>
+              </a:spcAft>
+              <a:buNone/>
+            </a:pPr>
+            <a:endParaRPr sz="900" b="1">
+              <a:solidFill>
+                <a:srgbClr val="FFFFFF"/>
+              </a:solidFill>
+              <a:latin typeface="Calibri"/>
+              <a:ea typeface="Calibri"/>
+              <a:cs typeface="Calibri"/>
+              <a:sym typeface="Calibri"/>
+            </a:endParaRPr>
+          </a:p>
+          <a:p>
+            <a:pPr marL="0" marR="0" lvl="0" indent="0" algn="ctr" rtl="0">
+              <a:spcBef>
+                <a:spcPts val="0"/>
+              </a:spcBef>
+              <a:spcAft>
+                <a:spcPts val="0"/>
+              </a:spcAft>
+              <a:buNone/>
+            </a:pPr>
+            <a:r>
+              <a:rPr lang="es-MX" sz="900" b="1">
+                <a:solidFill>
+                  <a:srgbClr val="FFFFFF"/>
+                </a:solidFill>
+                <a:latin typeface="Calibri"/>
+                <a:ea typeface="Calibri"/>
+                <a:cs typeface="Calibri"/>
+                <a:sym typeface="Calibri"/>
+              </a:rPr>
+              <a:t>Conclusiones sobre el uso de las series de tiempo para pronóstico de gas</a:t>
+            </a:r>
+            <a:endParaRPr/>
+          </a:p>
+          <a:p>
+            <a:pPr marL="0" marR="0" lvl="0" indent="0" algn="ctr" rtl="0">
+              <a:spcBef>
+                <a:spcPts val="0"/>
+              </a:spcBef>
+              <a:spcAft>
+                <a:spcPts val="0"/>
+              </a:spcAft>
+              <a:buNone/>
+            </a:pPr>
+            <a:endParaRPr sz="900" b="1">
+              <a:solidFill>
+                <a:srgbClr val="FFFFFF"/>
+              </a:solidFill>
+              <a:latin typeface="Calibri"/>
+              <a:ea typeface="Calibri"/>
+              <a:cs typeface="Calibri"/>
+              <a:sym typeface="Calibri"/>
+            </a:endParaRPr>
+          </a:p>
+        </p:txBody>
+      </p:sp>
+      <p:cxnSp>
+        <p:nvCxnSpPr>
+          <p:cNvPr id="136" name="Google Shape;136;p4"/>
+          <p:cNvCxnSpPr/>
+          <p:nvPr/>
+        </p:nvCxnSpPr>
+        <p:spPr>
+          <a:xfrm>
+            <a:off x="7431548" y="3647312"/>
+            <a:ext cx="1" cy="135785"/>
+          </a:xfrm>
+          <a:prstGeom prst="straightConnector1">
+            <a:avLst/>
+          </a:prstGeom>
+          <a:noFill/>
+          <a:ln w="12700" cap="flat" cmpd="sng">
+            <a:solidFill>
+              <a:schemeClr val="dk1"/>
+            </a:solidFill>
+            <a:prstDash val="solid"/>
+            <a:round/>
+            <a:headEnd type="none" w="sm" len="sm"/>
+            <a:tailEnd type="triangle" w="med" len="med"/>
+          </a:ln>
+        </p:spPr>
+      </p:cxnSp>
+      <p:sp>
+        <p:nvSpPr>
+          <p:cNvPr id="137" name="Google Shape;137;p4"/>
+          <p:cNvSpPr txBox="1"/>
+          <p:nvPr/>
+        </p:nvSpPr>
+        <p:spPr>
+          <a:xfrm>
+            <a:off x="10059653" y="2299379"/>
+            <a:ext cx="1683600" cy="646500"/>
+          </a:xfrm>
+          <a:prstGeom prst="rect">
+            <a:avLst/>
+          </a:prstGeom>
+          <a:noFill/>
+          <a:ln>
+            <a:noFill/>
+          </a:ln>
+        </p:spPr>
+        <p:txBody>
+          <a:bodyPr spcFirstLastPara="1" wrap="square" lIns="91425" tIns="45700" rIns="91425" bIns="45700" anchor="t" anchorCtr="0">
+            <a:spAutoFit/>
+          </a:bodyPr>
+          <a:lstStyle/>
+          <a:p>
+            <a:pPr marL="0" marR="0" lvl="0" indent="0" algn="l" rtl="0">
+              <a:spcBef>
+                <a:spcPts val="0"/>
+              </a:spcBef>
+              <a:spcAft>
+                <a:spcPts val="0"/>
+              </a:spcAft>
+              <a:buNone/>
+            </a:pPr>
+            <a:r>
+              <a:rPr lang="es-MX" sz="1200">
+                <a:solidFill>
+                  <a:schemeClr val="dk1"/>
+                </a:solidFill>
+                <a:latin typeface="Calibri"/>
+                <a:ea typeface="Calibri"/>
+                <a:cs typeface="Calibri"/>
+                <a:sym typeface="Calibri"/>
+              </a:rPr>
+              <a:t>Comparación de modelos y conclusiones generales </a:t>
+            </a:r>
+            <a:endParaRPr/>
+          </a:p>
+        </p:txBody>
+      </p:sp>
+      <p:pic>
+        <p:nvPicPr>
+          <p:cNvPr id="138" name="Google Shape;138;p4" descr="Darts: Time Series Made Easy in Python - Unit8"/>
+          <p:cNvPicPr preferRelativeResize="0"/>
+          <p:nvPr/>
+        </p:nvPicPr>
+        <p:blipFill rotWithShape="1">
+          <a:blip r:embed="rId4">
+            <a:alphaModFix/>
+          </a:blip>
+          <a:srcRect/>
+          <a:stretch/>
+        </p:blipFill>
+        <p:spPr>
+          <a:xfrm>
+            <a:off x="4645187" y="4386322"/>
+            <a:ext cx="1199209" cy="798330"/>
+          </a:xfrm>
+          <a:prstGeom prst="rect">
+            <a:avLst/>
+          </a:prstGeom>
+          <a:noFill/>
+          <a:ln>
+            <a:noFill/>
+          </a:ln>
+        </p:spPr>
+      </p:pic>
+      <p:pic>
+        <p:nvPicPr>
+          <p:cNvPr id="139" name="Google Shape;139;p4" descr="Time Series Prediction Using LSTM Deep Neural Networks"/>
+          <p:cNvPicPr preferRelativeResize="0"/>
+          <p:nvPr/>
+        </p:nvPicPr>
+        <p:blipFill rotWithShape="1">
+          <a:blip r:embed="rId5">
+            <a:alphaModFix/>
+          </a:blip>
+          <a:srcRect/>
+          <a:stretch/>
+        </p:blipFill>
+        <p:spPr>
+          <a:xfrm>
+            <a:off x="6833815" y="4421050"/>
+            <a:ext cx="1118950" cy="735195"/>
+          </a:xfrm>
+          <a:prstGeom prst="rect">
+            <a:avLst/>
+          </a:prstGeom>
+          <a:noFill/>
+          <a:ln>
+            <a:noFill/>
+          </a:ln>
+        </p:spPr>
+      </p:pic>
+      <p:pic>
+        <p:nvPicPr>
+          <p:cNvPr id="140" name="Google Shape;140;p4" descr="Gear Icon 5939884"/>
+          <p:cNvPicPr preferRelativeResize="0"/>
+          <p:nvPr/>
+        </p:nvPicPr>
+        <p:blipFill rotWithShape="1">
+          <a:blip r:embed="rId6">
+            <a:alphaModFix/>
+          </a:blip>
+          <a:srcRect l="22729" t="18850" r="12754" b="19527"/>
+          <a:stretch/>
+        </p:blipFill>
+        <p:spPr>
+          <a:xfrm>
+            <a:off x="493846" y="3832910"/>
+            <a:ext cx="450705" cy="430470"/>
+          </a:xfrm>
+          <a:prstGeom prst="rect">
+            <a:avLst/>
+          </a:prstGeom>
+          <a:noFill/>
+          <a:ln>
+            <a:noFill/>
+          </a:ln>
+        </p:spPr>
+      </p:pic>
+      <p:pic>
+        <p:nvPicPr>
+          <p:cNvPr id="141" name="Google Shape;141;p4"/>
+          <p:cNvPicPr preferRelativeResize="0"/>
+          <p:nvPr/>
+        </p:nvPicPr>
+        <p:blipFill rotWithShape="1">
+          <a:blip r:embed="rId7">
+            <a:alphaModFix/>
+          </a:blip>
+          <a:srcRect l="18798" t="18840" r="12240" b="22005"/>
+          <a:stretch/>
+        </p:blipFill>
+        <p:spPr>
+          <a:xfrm>
+            <a:off x="9487250" y="2371617"/>
+            <a:ext cx="495775" cy="425271"/>
+          </a:xfrm>
+          <a:prstGeom prst="rect">
+            <a:avLst/>
+          </a:prstGeom>
+          <a:noFill/>
+          <a:ln>
+            <a:noFill/>
+          </a:ln>
+        </p:spPr>
+      </p:pic>
+      <p:sp>
+        <p:nvSpPr>
+          <p:cNvPr id="3" name="CuadroTexto 2">
+            <a:extLst>
+              <a:ext uri="{FF2B5EF4-FFF2-40B4-BE49-F238E27FC236}">
+                <a16:creationId xmlns:a16="http://schemas.microsoft.com/office/drawing/2014/main" id="{AEB65875-CE4D-F342-CB19-880C3E40AEA0}"/>
+              </a:ext>
+            </a:extLst>
+          </p:cNvPr>
+          <p:cNvSpPr txBox="1"/>
+          <p:nvPr/>
+        </p:nvSpPr>
+        <p:spPr>
+          <a:xfrm>
+            <a:off x="380514" y="1095420"/>
+            <a:ext cx="3128212" cy="307777"/>
+          </a:xfrm>
+          <a:prstGeom prst="rect">
+            <a:avLst/>
+          </a:prstGeom>
+          <a:noFill/>
+        </p:spPr>
+        <p:txBody>
+          <a:bodyPr wrap="square">
+            <a:spAutoFit/>
+          </a:bodyPr>
+          <a:lstStyle/>
+          <a:p>
+            <a:pPr marL="0" marR="0" lvl="0" indent="0" algn="ctr" rtl="0">
+              <a:spcBef>
+                <a:spcPts val="0"/>
+              </a:spcBef>
+              <a:spcAft>
+                <a:spcPts val="0"/>
+              </a:spcAft>
+              <a:buNone/>
+            </a:pPr>
+            <a:r>
+              <a:rPr lang="es-MX" sz="1400" b="1" dirty="0">
+                <a:solidFill>
+                  <a:schemeClr val="dk1"/>
+                </a:solidFill>
+                <a:latin typeface="Calibri"/>
+                <a:ea typeface="Calibri"/>
+                <a:cs typeface="Calibri"/>
+                <a:sym typeface="Calibri"/>
+              </a:rPr>
+              <a:t>Recolección y limpieza  de Información:</a:t>
+            </a:r>
+            <a:endParaRPr lang="es-MX" dirty="0"/>
           </a:p>
         </p:txBody>
       </p:sp>
@@ -12753,27 +12777,8 @@
                 <a:cs typeface="Calibri"/>
                 <a:sym typeface="Calibri"/>
               </a:rPr>
-              <a:t>Proceso de pronóstico con Series de tiempo (Conjunto de datos a usar y resultado esperado) </a:t>
-            </a:r>
-          </a:p>
-          <a:p>
-            <a:pPr marL="0" marR="0" lvl="0" indent="0" algn="l" rtl="0">
-              <a:lnSpc>
-                <a:spcPct val="85000"/>
-              </a:lnSpc>
-              <a:spcBef>
-                <a:spcPts val="0"/>
-              </a:spcBef>
-              <a:spcAft>
-                <a:spcPts val="0"/>
-              </a:spcAft>
-              <a:buClr>
-                <a:schemeClr val="accent1"/>
-              </a:buClr>
-              <a:buSzPts val="3200"/>
-              <a:buFont typeface="Calibri"/>
-              <a:buNone/>
-            </a:pPr>
+              <a:t>Métodos y Modelos: Pronóstico con modelos de series de tiempo (ARIMA, SARIMA)</a:t>
+            </a:r>
             <a:endParaRPr sz="3200" b="1" dirty="0">
               <a:solidFill>
                 <a:schemeClr val="accent1"/>
@@ -16555,27 +16560,8 @@
                 <a:cs typeface="Calibri"/>
                 <a:sym typeface="Calibri"/>
               </a:rPr>
-              <a:t>Proceso de pronóstico con Redes Neuronales NN (Conjunto de datos a usar y resultado esperado) </a:t>
-            </a:r>
-          </a:p>
-          <a:p>
-            <a:pPr marL="0" marR="0" lvl="0" indent="0" algn="l" rtl="0">
-              <a:lnSpc>
-                <a:spcPct val="85000"/>
-              </a:lnSpc>
-              <a:spcBef>
-                <a:spcPts val="0"/>
-              </a:spcBef>
-              <a:spcAft>
-                <a:spcPts val="0"/>
-              </a:spcAft>
-              <a:buClr>
-                <a:schemeClr val="accent1"/>
-              </a:buClr>
-              <a:buSzPts val="3200"/>
-              <a:buFont typeface="Calibri"/>
-              <a:buNone/>
-            </a:pPr>
+              <a:t>Métodos y Modelos: Pronóstico con modelos de Redes Neuronales NN (FFNN, LSTM)</a:t>
+            </a:r>
             <a:endParaRPr sz="3200" b="1" dirty="0">
               <a:solidFill>
                 <a:schemeClr val="accent1"/>
@@ -19658,7 +19644,7 @@
         </p:blipFill>
         <p:spPr>
           <a:xfrm>
-            <a:off x="667208" y="3833891"/>
+            <a:off x="1049181" y="3108096"/>
             <a:ext cx="1522266" cy="681442"/>
           </a:xfrm>
           <a:prstGeom prst="rect">
@@ -19710,7 +19696,7 @@
         </p:nvSpPr>
         <p:spPr>
           <a:xfrm rot="2146181">
-            <a:off x="1823612" y="3872314"/>
+            <a:off x="2205585" y="3146519"/>
             <a:ext cx="551850" cy="138499"/>
           </a:xfrm>
           <a:prstGeom prst="rect">
@@ -19783,7 +19769,7 @@
         </p:blipFill>
         <p:spPr bwMode="auto">
           <a:xfrm>
-            <a:off x="435810" y="5156762"/>
+            <a:off x="264032" y="4530533"/>
             <a:ext cx="335297" cy="335297"/>
           </a:xfrm>
           <a:prstGeom prst="rect">
@@ -19815,7 +19801,7 @@
         </p:nvSpPr>
         <p:spPr>
           <a:xfrm>
-            <a:off x="990646" y="4848502"/>
+            <a:off x="818868" y="4222273"/>
             <a:ext cx="2647576" cy="892552"/>
           </a:xfrm>
           <a:prstGeom prst="rect">
@@ -19947,77 +19933,6 @@
               <a:latin typeface="Calibri Light" panose="020F0302020204030204" pitchFamily="34" charset="0"/>
               <a:cs typeface="Calibri Light" panose="020F0302020204030204" pitchFamily="34" charset="0"/>
             </a:endParaRPr>
-          </a:p>
-        </p:txBody>
-      </p:sp>
-      <p:sp>
-        <p:nvSpPr>
-          <p:cNvPr id="15" name="CuadroTexto 14">
-            <a:extLst>
-              <a:ext uri="{FF2B5EF4-FFF2-40B4-BE49-F238E27FC236}">
-                <a16:creationId xmlns:a16="http://schemas.microsoft.com/office/drawing/2014/main" id="{3B9A8595-2B50-CD8C-07A4-042618D86412}"/>
-              </a:ext>
-            </a:extLst>
-          </p:cNvPr>
-          <p:cNvSpPr txBox="1"/>
-          <p:nvPr/>
-        </p:nvSpPr>
-        <p:spPr>
-          <a:xfrm>
-            <a:off x="478339" y="2737752"/>
-            <a:ext cx="2305213" cy="741742"/>
-          </a:xfrm>
-          <a:prstGeom prst="rect">
-            <a:avLst/>
-          </a:prstGeom>
-          <a:noFill/>
-        </p:spPr>
-        <p:txBody>
-          <a:bodyPr wrap="square" lIns="0" tIns="0" rIns="0" bIns="0">
-            <a:spAutoFit/>
-          </a:bodyPr>
-          <a:lstStyle/>
-          <a:p>
-            <a:pPr>
-              <a:lnSpc>
-                <a:spcPct val="90000"/>
-              </a:lnSpc>
-              <a:spcBef>
-                <a:spcPts val="600"/>
-              </a:spcBef>
-            </a:pPr>
-            <a:r>
-              <a:rPr lang="es-MX" sz="1200" b="1" dirty="0">
-                <a:solidFill>
-                  <a:schemeClr val="tx1"/>
-                </a:solidFill>
-                <a:latin typeface="Calibri Light" panose="020F0302020204030204" pitchFamily="34" charset="0"/>
-                <a:ea typeface="Calibri"/>
-                <a:cs typeface="Calibri Light" panose="020F0302020204030204" pitchFamily="34" charset="0"/>
-                <a:sym typeface="Calibri"/>
-              </a:rPr>
-              <a:t>Conjunto de datos a usar </a:t>
-            </a:r>
-          </a:p>
-          <a:p>
-            <a:pPr>
-              <a:lnSpc>
-                <a:spcPct val="90000"/>
-              </a:lnSpc>
-              <a:spcBef>
-                <a:spcPts val="600"/>
-              </a:spcBef>
-            </a:pPr>
-            <a:r>
-              <a:rPr lang="es-MX" sz="1200" dirty="0">
-                <a:solidFill>
-                  <a:schemeClr val="tx1"/>
-                </a:solidFill>
-                <a:latin typeface="Calibri Light" panose="020F0302020204030204" pitchFamily="34" charset="0"/>
-                <a:cs typeface="Calibri Light" panose="020F0302020204030204" pitchFamily="34" charset="0"/>
-              </a:rPr>
-              <a:t>Datos mensuales de PIB, población, cambio peso, dólar y temperatura media </a:t>
-            </a:r>
           </a:p>
         </p:txBody>
       </p:sp>
@@ -20048,7 +19963,7 @@
         </p:blipFill>
         <p:spPr bwMode="auto">
           <a:xfrm>
-            <a:off x="2358214" y="5156762"/>
+            <a:off x="2186436" y="4530533"/>
             <a:ext cx="621875" cy="222046"/>
           </a:xfrm>
           <a:prstGeom prst="rect">
@@ -20093,7 +20008,7 @@
         </p:blipFill>
         <p:spPr bwMode="auto">
           <a:xfrm>
-            <a:off x="3031868" y="5382060"/>
+            <a:off x="2860090" y="4755831"/>
             <a:ext cx="622360" cy="180772"/>
           </a:xfrm>
           <a:prstGeom prst="rect">
@@ -20113,10 +20028,10 @@
       </p:pic>
       <p:pic>
         <p:nvPicPr>
-          <p:cNvPr id="2050" name="Picture 2">
+          <p:cNvPr id="2052" name="Picture 4" descr="Seaborn pairplot example - Python Tutorial">
             <a:extLst>
               <a:ext uri="{FF2B5EF4-FFF2-40B4-BE49-F238E27FC236}">
-                <a16:creationId xmlns:a16="http://schemas.microsoft.com/office/drawing/2014/main" id="{7D40CF30-4EF8-0242-319E-B6D64F54C383}"/>
+                <a16:creationId xmlns:a16="http://schemas.microsoft.com/office/drawing/2014/main" id="{CC7E9A22-F54D-F7AC-C6CE-19240EA4B74F}"/>
               </a:ext>
             </a:extLst>
           </p:cNvPr>
@@ -20140,53 +20055,6 @@
         </p:blipFill>
         <p:spPr bwMode="auto">
           <a:xfrm>
-            <a:off x="2464012" y="3854053"/>
-            <a:ext cx="551810" cy="574385"/>
-          </a:xfrm>
-          <a:prstGeom prst="rect">
-            <a:avLst/>
-          </a:prstGeom>
-          <a:noFill/>
-          <a:extLst>
-            <a:ext uri="{909E8E84-426E-40DD-AFC4-6F175D3DCCD1}">
-              <a14:hiddenFill xmlns:a14="http://schemas.microsoft.com/office/drawing/2010/main">
-                <a:solidFill>
-                  <a:srgbClr val="FFFFFF"/>
-                </a:solidFill>
-              </a14:hiddenFill>
-            </a:ext>
-          </a:extLst>
-        </p:spPr>
-      </p:pic>
-      <p:pic>
-        <p:nvPicPr>
-          <p:cNvPr id="2052" name="Picture 4" descr="Seaborn pairplot example - Python Tutorial">
-            <a:extLst>
-              <a:ext uri="{FF2B5EF4-FFF2-40B4-BE49-F238E27FC236}">
-                <a16:creationId xmlns:a16="http://schemas.microsoft.com/office/drawing/2014/main" id="{CC7E9A22-F54D-F7AC-C6CE-19240EA4B74F}"/>
-              </a:ext>
-            </a:extLst>
-          </p:cNvPr>
-          <p:cNvPicPr>
-            <a:picLocks noChangeAspect="1" noChangeArrowheads="1"/>
-          </p:cNvPicPr>
-          <p:nvPr/>
-        </p:nvPicPr>
-        <p:blipFill>
-          <a:blip r:embed="rId14">
-            <a:extLst>
-              <a:ext uri="{28A0092B-C50C-407E-A947-70E740481C1C}">
-                <a14:useLocalDpi xmlns:a14="http://schemas.microsoft.com/office/drawing/2010/main" val="0"/>
-              </a:ext>
-            </a:extLst>
-          </a:blip>
-          <a:srcRect/>
-          <a:stretch>
-            <a:fillRect/>
-          </a:stretch>
-        </p:blipFill>
-        <p:spPr bwMode="auto">
-          <a:xfrm>
             <a:off x="5448520" y="2118967"/>
             <a:ext cx="1170108" cy="755889"/>
           </a:xfrm>
@@ -20280,7 +20148,7 @@
           <p:nvPr/>
         </p:nvPicPr>
         <p:blipFill rotWithShape="1">
-          <a:blip r:embed="rId15">
+          <a:blip r:embed="rId14">
             <a:extLst>
               <a:ext uri="{28A0092B-C50C-407E-A947-70E740481C1C}">
                 <a14:useLocalDpi xmlns:a14="http://schemas.microsoft.com/office/drawing/2010/main" val="0"/>
